--- a/Lectures/Lecture13-InterpretabilityOverview.pptx
+++ b/Lectures/Lecture13-InterpretabilityOverview.pptx
@@ -5,7 +5,7 @@
     <p:sldMasterId id="2147483648" r:id="rId1"/>
   </p:sldMasterIdLst>
   <p:notesMasterIdLst>
-    <p:notesMasterId r:id="rId12"/>
+    <p:notesMasterId r:id="rId14"/>
   </p:notesMasterIdLst>
   <p:sldIdLst>
     <p:sldId id="256" r:id="rId2"/>
@@ -18,6 +18,8 @@
     <p:sldId id="263" r:id="rId9"/>
     <p:sldId id="264" r:id="rId10"/>
     <p:sldId id="266" r:id="rId11"/>
+    <p:sldId id="500" r:id="rId12"/>
+    <p:sldId id="499" r:id="rId13"/>
   </p:sldIdLst>
   <p:sldSz cx="12192000" cy="6858000"/>
   <p:notesSz cx="6858000" cy="9144000"/>
@@ -255,7 +257,7 @@
       <p15:sldGuideLst xmlns:p15="http://schemas.microsoft.com/office/powerpoint/2012/main"/>
     </p:ext>
     <p:ext uri="http://customooxmlschemas.google.com/">
-      <go:slidesCustomData xmlns="" xmlns:mc="http://schemas.openxmlformats.org/markup-compatibility/2006" xmlns:mv="urn:schemas-microsoft-com:mac:vml" xmlns:c="http://schemas.openxmlformats.org/drawingml/2006/chart" xmlns:dgm="http://schemas.openxmlformats.org/drawingml/2006/diagram" xmlns:o="urn:schemas-microsoft-com:office:office" xmlns:v="urn:schemas-microsoft-com:vml" xmlns:pvml="urn:schemas-microsoft-com:office:powerpoint" xmlns:com="http://schemas.openxmlformats.org/drawingml/2006/compatibility" xmlns:p14="http://schemas.microsoft.com/office/powerpoint/2010/main" xmlns:p15="http://schemas.microsoft.com/office/powerpoint/2012/main" xmlns:go="http://customooxmlschemas.google.com/" r:id="rId32" roundtripDataSignature="AMtx7mhE+28Dr6x2pr2JNXfuZKhsL7KtRg=="/>
+      <go:slidesCustomData xmlns:go="http://customooxmlschemas.google.com/" xmlns:p15="http://schemas.microsoft.com/office/powerpoint/2012/main" xmlns:p14="http://schemas.microsoft.com/office/powerpoint/2010/main" xmlns:com="http://schemas.openxmlformats.org/drawingml/2006/compatibility" xmlns:pvml="urn:schemas-microsoft-com:office:powerpoint" xmlns:v="urn:schemas-microsoft-com:vml" xmlns:o="urn:schemas-microsoft-com:office:office" xmlns:dgm="http://schemas.openxmlformats.org/drawingml/2006/diagram" xmlns:c="http://schemas.openxmlformats.org/drawingml/2006/chart" xmlns:mv="urn:schemas-microsoft-com:mac:vml" xmlns:mc="http://schemas.openxmlformats.org/markup-compatibility/2006" xmlns="" r:id="rId32" roundtripDataSignature="AMtx7mhE+28Dr6x2pr2JNXfuZKhsL7KtRg=="/>
     </p:ext>
   </p:extLst>
 </p:presentation>
@@ -7569,6 +7571,115 @@
 </p:notes>
 </file>
 
+<file path=ppt/notesSlides/notesSlide9.xml><?xml version="1.0" encoding="utf-8"?>
+<p:notes xmlns:a="http://schemas.openxmlformats.org/drawingml/2006/main" xmlns:r="http://schemas.openxmlformats.org/officeDocument/2006/relationships" xmlns:p="http://schemas.openxmlformats.org/presentationml/2006/main" showMasterSp="0" showMasterPhAnim="0">
+  <p:cSld>
+    <p:spTree>
+      <p:nvGrpSpPr>
+        <p:cNvPr id="1" name="Shape 85"/>
+        <p:cNvGrpSpPr/>
+        <p:nvPr/>
+      </p:nvGrpSpPr>
+      <p:grpSpPr>
+        <a:xfrm>
+          <a:off x="0" y="0"/>
+          <a:ext cx="0" cy="0"/>
+          <a:chOff x="0" y="0"/>
+          <a:chExt cx="0" cy="0"/>
+        </a:xfrm>
+      </p:grpSpPr>
+      <p:sp>
+        <p:nvSpPr>
+          <p:cNvPr id="86" name="Google Shape;86;p27:notes"/>
+          <p:cNvSpPr txBox="1">
+            <a:spLocks noGrp="1"/>
+          </p:cNvSpPr>
+          <p:nvPr>
+            <p:ph type="body" idx="1"/>
+          </p:nvPr>
+        </p:nvSpPr>
+        <p:spPr>
+          <a:xfrm>
+            <a:off x="685800" y="4400550"/>
+            <a:ext cx="5486400" cy="3600450"/>
+          </a:xfrm>
+          <a:prstGeom prst="rect">
+            <a:avLst/>
+          </a:prstGeom>
+        </p:spPr>
+        <p:txBody>
+          <a:bodyPr spcFirstLastPara="1" wrap="square" lIns="91425" tIns="45700" rIns="91425" bIns="45700" anchor="t" anchorCtr="0">
+            <a:noAutofit/>
+          </a:bodyPr>
+          <a:lstStyle/>
+          <a:p>
+            <a:pPr marL="0" lvl="0" indent="0" algn="l" rtl="0">
+              <a:spcBef>
+                <a:spcPts val="0"/>
+              </a:spcBef>
+              <a:spcAft>
+                <a:spcPts val="0"/>
+              </a:spcAft>
+              <a:buNone/>
+            </a:pPr>
+            <a:endParaRPr/>
+          </a:p>
+        </p:txBody>
+      </p:sp>
+      <p:sp>
+        <p:nvSpPr>
+          <p:cNvPr id="87" name="Google Shape;87;p27:notes"/>
+          <p:cNvSpPr>
+            <a:spLocks noGrp="1" noRot="1" noChangeAspect="1"/>
+          </p:cNvSpPr>
+          <p:nvPr>
+            <p:ph type="sldImg" idx="2"/>
+          </p:nvPr>
+        </p:nvSpPr>
+        <p:spPr>
+          <a:xfrm>
+            <a:off x="685800" y="1143000"/>
+            <a:ext cx="5486400" cy="3086100"/>
+          </a:xfrm>
+          <a:custGeom>
+            <a:avLst/>
+            <a:gdLst/>
+            <a:ahLst/>
+            <a:cxnLst/>
+            <a:rect l="l" t="t" r="r" b="b"/>
+            <a:pathLst>
+              <a:path w="120000" h="120000" extrusionOk="0">
+                <a:moveTo>
+                  <a:pt x="0" y="0"/>
+                </a:moveTo>
+                <a:lnTo>
+                  <a:pt x="120000" y="0"/>
+                </a:lnTo>
+                <a:lnTo>
+                  <a:pt x="120000" y="120000"/>
+                </a:lnTo>
+                <a:lnTo>
+                  <a:pt x="0" y="120000"/>
+                </a:lnTo>
+                <a:close/>
+              </a:path>
+            </a:pathLst>
+          </a:custGeom>
+        </p:spPr>
+      </p:sp>
+    </p:spTree>
+    <p:extLst>
+      <p:ext uri="{BB962C8B-B14F-4D97-AF65-F5344CB8AC3E}">
+        <p14:creationId xmlns:p14="http://schemas.microsoft.com/office/powerpoint/2010/main" val="2801267188"/>
+      </p:ext>
+    </p:extLst>
+  </p:cSld>
+  <p:clrMapOvr>
+    <a:masterClrMapping/>
+  </p:clrMapOvr>
+</p:notes>
+</file>
+
 <file path=ppt/slideLayouts/slideLayout1.xml><?xml version="1.0" encoding="utf-8"?>
 <p:sldLayout xmlns:a="http://schemas.openxmlformats.org/drawingml/2006/main" xmlns:r="http://schemas.openxmlformats.org/officeDocument/2006/relationships" xmlns:p="http://schemas.openxmlformats.org/presentationml/2006/main" matchingName="Title slide" type="title">
   <p:cSld name="TITLE">
@@ -12723,6 +12834,221 @@
         </p:txBody>
       </p:sp>
     </p:spTree>
+  </p:cSld>
+  <p:clrMapOvr>
+    <a:masterClrMapping/>
+  </p:clrMapOvr>
+</p:sld>
+</file>
+
+<file path=ppt/slides/slide11.xml><?xml version="1.0" encoding="utf-8"?>
+<p:sld xmlns:a="http://schemas.openxmlformats.org/drawingml/2006/main" xmlns:r="http://schemas.openxmlformats.org/officeDocument/2006/relationships" xmlns:p="http://schemas.openxmlformats.org/presentationml/2006/main">
+  <p:cSld>
+    <p:spTree>
+      <p:nvGrpSpPr>
+        <p:cNvPr id="1" name="Shape 88"/>
+        <p:cNvGrpSpPr/>
+        <p:nvPr/>
+      </p:nvGrpSpPr>
+      <p:grpSpPr>
+        <a:xfrm>
+          <a:off x="0" y="0"/>
+          <a:ext cx="0" cy="0"/>
+          <a:chOff x="0" y="0"/>
+          <a:chExt cx="0" cy="0"/>
+        </a:xfrm>
+      </p:grpSpPr>
+      <p:sp>
+        <p:nvSpPr>
+          <p:cNvPr id="89" name="Google Shape;89;p27"/>
+          <p:cNvSpPr txBox="1">
+            <a:spLocks noGrp="1"/>
+          </p:cNvSpPr>
+          <p:nvPr>
+            <p:ph type="title"/>
+          </p:nvPr>
+        </p:nvSpPr>
+        <p:spPr>
+          <a:xfrm>
+            <a:off x="415600" y="86563"/>
+            <a:ext cx="11360700" cy="763500"/>
+          </a:xfrm>
+          <a:prstGeom prst="rect">
+            <a:avLst/>
+          </a:prstGeom>
+          <a:noFill/>
+          <a:ln>
+            <a:noFill/>
+          </a:ln>
+        </p:spPr>
+        <p:txBody>
+          <a:bodyPr spcFirstLastPara="1" wrap="square" lIns="121900" tIns="121900" rIns="121900" bIns="121900" anchor="t" anchorCtr="0">
+            <a:normAutofit fontScale="90000"/>
+          </a:bodyPr>
+          <a:lstStyle/>
+          <a:p>
+            <a:pPr marL="0" lvl="0" indent="0" algn="l" rtl="0">
+              <a:lnSpc>
+                <a:spcPct val="100000"/>
+              </a:lnSpc>
+              <a:spcBef>
+                <a:spcPts val="0"/>
+              </a:spcBef>
+              <a:spcAft>
+                <a:spcPts val="0"/>
+              </a:spcAft>
+              <a:buClr>
+                <a:srgbClr val="FFFFFF"/>
+              </a:buClr>
+              <a:buSzPts val="3700"/>
+              <a:buNone/>
+            </a:pPr>
+            <a:r>
+              <a:rPr lang="en-US" sz="4320" dirty="0"/>
+              <a:t>What we do want from a local explanation?</a:t>
+            </a:r>
+            <a:endParaRPr dirty="0"/>
+          </a:p>
+        </p:txBody>
+      </p:sp>
+      <p:sp>
+        <p:nvSpPr>
+          <p:cNvPr id="90" name="Google Shape;90;p27"/>
+          <p:cNvSpPr txBox="1">
+            <a:spLocks noGrp="1"/>
+          </p:cNvSpPr>
+          <p:nvPr>
+            <p:ph type="body" idx="1"/>
+          </p:nvPr>
+        </p:nvSpPr>
+        <p:spPr>
+          <a:xfrm>
+            <a:off x="415600" y="1536633"/>
+            <a:ext cx="11360700" cy="4555200"/>
+          </a:xfrm>
+          <a:prstGeom prst="rect">
+            <a:avLst/>
+          </a:prstGeom>
+          <a:noFill/>
+          <a:ln>
+            <a:noFill/>
+          </a:ln>
+        </p:spPr>
+        <p:txBody>
+          <a:bodyPr spcFirstLastPara="1" wrap="square" lIns="121900" tIns="121900" rIns="121900" bIns="121900" anchor="t" anchorCtr="0">
+            <a:noAutofit/>
+          </a:bodyPr>
+          <a:lstStyle/>
+          <a:p>
+            <a:pPr marL="457200" lvl="0" indent="-228600" algn="l" rtl="0">
+              <a:lnSpc>
+                <a:spcPct val="115000"/>
+              </a:lnSpc>
+              <a:spcBef>
+                <a:spcPts val="0"/>
+              </a:spcBef>
+              <a:spcAft>
+                <a:spcPts val="0"/>
+              </a:spcAft>
+              <a:buClr>
+                <a:srgbClr val="434343"/>
+              </a:buClr>
+              <a:buSzPts val="2400"/>
+              <a:buNone/>
+            </a:pPr>
+            <a:endParaRPr/>
+          </a:p>
+        </p:txBody>
+      </p:sp>
+    </p:spTree>
+    <p:extLst>
+      <p:ext uri="{BB962C8B-B14F-4D97-AF65-F5344CB8AC3E}">
+        <p14:creationId xmlns:p14="http://schemas.microsoft.com/office/powerpoint/2010/main" val="3707586176"/>
+      </p:ext>
+    </p:extLst>
+  </p:cSld>
+  <p:clrMapOvr>
+    <a:masterClrMapping/>
+  </p:clrMapOvr>
+</p:sld>
+</file>
+
+<file path=ppt/slides/slide12.xml><?xml version="1.0" encoding="utf-8"?>
+<p:sld xmlns:a="http://schemas.openxmlformats.org/drawingml/2006/main" xmlns:r="http://schemas.openxmlformats.org/officeDocument/2006/relationships" xmlns:p="http://schemas.openxmlformats.org/presentationml/2006/main">
+  <p:cSld>
+    <p:spTree>
+      <p:nvGrpSpPr>
+        <p:cNvPr id="1" name=""/>
+        <p:cNvGrpSpPr/>
+        <p:nvPr/>
+      </p:nvGrpSpPr>
+      <p:grpSpPr>
+        <a:xfrm>
+          <a:off x="0" y="0"/>
+          <a:ext cx="0" cy="0"/>
+          <a:chOff x="0" y="0"/>
+          <a:chExt cx="0" cy="0"/>
+        </a:xfrm>
+      </p:grpSpPr>
+      <p:sp>
+        <p:nvSpPr>
+          <p:cNvPr id="2" name="Title 1">
+            <a:extLst>
+              <a:ext uri="{FF2B5EF4-FFF2-40B4-BE49-F238E27FC236}">
+                <a16:creationId xmlns:a16="http://schemas.microsoft.com/office/drawing/2014/main" id="{19A7CD10-BD92-E349-8B0A-410B8B631C4B}"/>
+              </a:ext>
+            </a:extLst>
+          </p:cNvPr>
+          <p:cNvSpPr>
+            <a:spLocks noGrp="1"/>
+          </p:cNvSpPr>
+          <p:nvPr>
+            <p:ph type="title"/>
+          </p:nvPr>
+        </p:nvSpPr>
+        <p:spPr/>
+        <p:txBody>
+          <a:bodyPr/>
+          <a:lstStyle/>
+          <a:p>
+            <a:r>
+              <a:rPr lang="en-US" sz="2800" dirty="0"/>
+              <a:t>How would we validate if an interpretability method is effective?</a:t>
+            </a:r>
+          </a:p>
+        </p:txBody>
+      </p:sp>
+      <p:sp>
+        <p:nvSpPr>
+          <p:cNvPr id="3" name="Text Placeholder 2">
+            <a:extLst>
+              <a:ext uri="{FF2B5EF4-FFF2-40B4-BE49-F238E27FC236}">
+                <a16:creationId xmlns:a16="http://schemas.microsoft.com/office/drawing/2014/main" id="{CD370BC9-8307-054B-8A0E-429E737B7032}"/>
+              </a:ext>
+            </a:extLst>
+          </p:cNvPr>
+          <p:cNvSpPr>
+            <a:spLocks noGrp="1"/>
+          </p:cNvSpPr>
+          <p:nvPr>
+            <p:ph type="body" idx="1"/>
+          </p:nvPr>
+        </p:nvSpPr>
+        <p:spPr/>
+        <p:txBody>
+          <a:bodyPr/>
+          <a:lstStyle/>
+          <a:p>
+            <a:endParaRPr lang="en-US"/>
+          </a:p>
+        </p:txBody>
+      </p:sp>
+    </p:spTree>
+    <p:extLst>
+      <p:ext uri="{BB962C8B-B14F-4D97-AF65-F5344CB8AC3E}">
+        <p14:creationId xmlns:p14="http://schemas.microsoft.com/office/powerpoint/2010/main" val="3148254827"/>
+      </p:ext>
+    </p:extLst>
   </p:cSld>
   <p:clrMapOvr>
     <a:masterClrMapping/>
@@ -15054,10 +15380,10 @@
               <a:buNone/>
             </a:pPr>
             <a:r>
-              <a:rPr lang="en-US" sz="4320"/>
-              <a:t>What we do want from a global explanation?</a:t>
+              <a:rPr lang="en-US" sz="4320" dirty="0"/>
+              <a:t>What do we want from a global explanation?</a:t>
             </a:r>
-            <a:endParaRPr/>
+            <a:endParaRPr dirty="0"/>
           </a:p>
         </p:txBody>
       </p:sp>

--- a/Lectures/Lecture13-InterpretabilityOverview.pptx
+++ b/Lectures/Lecture13-InterpretabilityOverview.pptx
@@ -5,21 +5,22 @@
     <p:sldMasterId id="2147483648" r:id="rId1"/>
   </p:sldMasterIdLst>
   <p:notesMasterIdLst>
-    <p:notesMasterId r:id="rId14"/>
+    <p:notesMasterId r:id="rId15"/>
   </p:notesMasterIdLst>
   <p:sldIdLst>
     <p:sldId id="256" r:id="rId2"/>
-    <p:sldId id="498" r:id="rId3"/>
-    <p:sldId id="323" r:id="rId4"/>
-    <p:sldId id="259" r:id="rId5"/>
+    <p:sldId id="509" r:id="rId3"/>
+    <p:sldId id="498" r:id="rId4"/>
+    <p:sldId id="323" r:id="rId5"/>
     <p:sldId id="260" r:id="rId6"/>
-    <p:sldId id="261" r:id="rId7"/>
-    <p:sldId id="262" r:id="rId8"/>
-    <p:sldId id="263" r:id="rId9"/>
-    <p:sldId id="264" r:id="rId10"/>
-    <p:sldId id="266" r:id="rId11"/>
-    <p:sldId id="500" r:id="rId12"/>
-    <p:sldId id="499" r:id="rId13"/>
+    <p:sldId id="259" r:id="rId7"/>
+    <p:sldId id="261" r:id="rId8"/>
+    <p:sldId id="262" r:id="rId9"/>
+    <p:sldId id="263" r:id="rId10"/>
+    <p:sldId id="264" r:id="rId11"/>
+    <p:sldId id="266" r:id="rId12"/>
+    <p:sldId id="500" r:id="rId13"/>
+    <p:sldId id="499" r:id="rId14"/>
   </p:sldIdLst>
   <p:sldSz cx="12192000" cy="6858000"/>
   <p:notesSz cx="6858000" cy="9144000"/>
@@ -257,7 +258,7 @@
       <p15:sldGuideLst xmlns:p15="http://schemas.microsoft.com/office/powerpoint/2012/main"/>
     </p:ext>
     <p:ext uri="http://customooxmlschemas.google.com/">
-      <go:slidesCustomData xmlns:go="http://customooxmlschemas.google.com/" xmlns:p15="http://schemas.microsoft.com/office/powerpoint/2012/main" xmlns:p14="http://schemas.microsoft.com/office/powerpoint/2010/main" xmlns:com="http://schemas.openxmlformats.org/drawingml/2006/compatibility" xmlns:pvml="urn:schemas-microsoft-com:office:powerpoint" xmlns:v="urn:schemas-microsoft-com:vml" xmlns:o="urn:schemas-microsoft-com:office:office" xmlns:dgm="http://schemas.openxmlformats.org/drawingml/2006/diagram" xmlns:c="http://schemas.openxmlformats.org/drawingml/2006/chart" xmlns:mv="urn:schemas-microsoft-com:mac:vml" xmlns:mc="http://schemas.openxmlformats.org/markup-compatibility/2006" xmlns="" r:id="rId32" roundtripDataSignature="AMtx7mhE+28Dr6x2pr2JNXfuZKhsL7KtRg=="/>
+      <go:slidesCustomData xmlns="" xmlns:mc="http://schemas.openxmlformats.org/markup-compatibility/2006" xmlns:mv="urn:schemas-microsoft-com:mac:vml" xmlns:c="http://schemas.openxmlformats.org/drawingml/2006/chart" xmlns:dgm="http://schemas.openxmlformats.org/drawingml/2006/diagram" xmlns:o="urn:schemas-microsoft-com:office:office" xmlns:v="urn:schemas-microsoft-com:vml" xmlns:pvml="urn:schemas-microsoft-com:office:powerpoint" xmlns:com="http://schemas.openxmlformats.org/drawingml/2006/compatibility" xmlns:p14="http://schemas.microsoft.com/office/powerpoint/2010/main" xmlns:p15="http://schemas.microsoft.com/office/powerpoint/2012/main" xmlns:go="http://customooxmlschemas.google.com/" r:id="rId32" roundtripDataSignature="AMtx7mhE+28Dr6x2pr2JNXfuZKhsL7KtRg=="/>
     </p:ext>
   </p:extLst>
 </p:presentation>
@@ -6848,7 +6849,7 @@
   <p:cSld>
     <p:spTree>
       <p:nvGrpSpPr>
-        <p:cNvPr id="1" name="Shape 56"/>
+        <p:cNvPr id="1" name="Shape 62"/>
         <p:cNvGrpSpPr/>
         <p:nvPr/>
       </p:nvGrpSpPr>
@@ -6862,7 +6863,7 @@
       </p:grpSpPr>
       <p:sp>
         <p:nvSpPr>
-          <p:cNvPr id="57" name="Google Shape;57;p24:notes"/>
+          <p:cNvPr id="63" name="Google Shape;63;p25:notes"/>
           <p:cNvSpPr txBox="1">
             <a:spLocks noGrp="1"/>
           </p:cNvSpPr>
@@ -6900,7 +6901,7 @@
       </p:sp>
       <p:sp>
         <p:nvSpPr>
-          <p:cNvPr id="58" name="Google Shape;58;p24:notes"/>
+          <p:cNvPr id="64" name="Google Shape;64;p25:notes"/>
           <p:cNvSpPr>
             <a:spLocks noGrp="1" noRot="1" noChangeAspect="1"/>
           </p:cNvSpPr>
@@ -6952,7 +6953,7 @@
   <p:cSld>
     <p:spTree>
       <p:nvGrpSpPr>
-        <p:cNvPr id="1" name="Shape 62"/>
+        <p:cNvPr id="1" name="Shape 56"/>
         <p:cNvGrpSpPr/>
         <p:nvPr/>
       </p:nvGrpSpPr>
@@ -6966,7 +6967,7 @@
       </p:grpSpPr>
       <p:sp>
         <p:nvSpPr>
-          <p:cNvPr id="63" name="Google Shape;63;p25:notes"/>
+          <p:cNvPr id="57" name="Google Shape;57;p24:notes"/>
           <p:cNvSpPr txBox="1">
             <a:spLocks noGrp="1"/>
           </p:cNvSpPr>
@@ -7004,7 +7005,7 @@
       </p:sp>
       <p:sp>
         <p:nvSpPr>
-          <p:cNvPr id="64" name="Google Shape;64;p25:notes"/>
+          <p:cNvPr id="58" name="Google Shape;58;p24:notes"/>
           <p:cNvSpPr>
             <a:spLocks noGrp="1" noRot="1" noChangeAspect="1"/>
           </p:cNvSpPr>
@@ -10810,6 +10811,285 @@
 </p:sldLayout>
 </file>
 
+<file path=ppt/slideLayouts/slideLayout6.xml><?xml version="1.0" encoding="utf-8"?>
+<p:sldLayout xmlns:a="http://schemas.openxmlformats.org/drawingml/2006/main" xmlns:r="http://schemas.openxmlformats.org/officeDocument/2006/relationships" xmlns:p="http://schemas.openxmlformats.org/presentationml/2006/main" matchingName="1_Title and Content">
+  <p:cSld name="1_Title and Content">
+    <p:spTree>
+      <p:nvGrpSpPr>
+        <p:cNvPr id="1" name="Shape 62"/>
+        <p:cNvGrpSpPr/>
+        <p:nvPr/>
+      </p:nvGrpSpPr>
+      <p:grpSpPr>
+        <a:xfrm>
+          <a:off x="0" y="0"/>
+          <a:ext cx="0" cy="0"/>
+          <a:chOff x="0" y="0"/>
+          <a:chExt cx="0" cy="0"/>
+        </a:xfrm>
+      </p:grpSpPr>
+      <p:sp>
+        <p:nvSpPr>
+          <p:cNvPr id="63" name="Google Shape;63;g6dad9273e7_0_53"/>
+          <p:cNvSpPr txBox="1">
+            <a:spLocks noGrp="1"/>
+          </p:cNvSpPr>
+          <p:nvPr>
+            <p:ph type="body" idx="1"/>
+          </p:nvPr>
+        </p:nvSpPr>
+        <p:spPr>
+          <a:xfrm>
+            <a:off x="268210" y="1588503"/>
+            <a:ext cx="11666400" cy="4954500"/>
+          </a:xfrm>
+          <a:prstGeom prst="rect">
+            <a:avLst/>
+          </a:prstGeom>
+          <a:noFill/>
+          <a:ln>
+            <a:noFill/>
+          </a:ln>
+        </p:spPr>
+        <p:txBody>
+          <a:bodyPr spcFirstLastPara="1" wrap="square" lIns="91425" tIns="45700" rIns="91425" bIns="45700" anchor="t" anchorCtr="0">
+            <a:noAutofit/>
+          </a:bodyPr>
+          <a:lstStyle>
+            <a:lvl1pPr marL="457200" lvl="0" indent="-342900" algn="l" rtl="0">
+              <a:spcBef>
+                <a:spcPts val="360"/>
+              </a:spcBef>
+              <a:spcAft>
+                <a:spcPts val="0"/>
+              </a:spcAft>
+              <a:buClr>
+                <a:schemeClr val="dk1"/>
+              </a:buClr>
+              <a:buSzPts val="1800"/>
+              <a:buChar char="●"/>
+              <a:defRPr/>
+            </a:lvl1pPr>
+            <a:lvl2pPr marL="914400" lvl="1" indent="-342900" algn="l" rtl="0">
+              <a:spcBef>
+                <a:spcPts val="360"/>
+              </a:spcBef>
+              <a:spcAft>
+                <a:spcPts val="0"/>
+              </a:spcAft>
+              <a:buClr>
+                <a:schemeClr val="dk1"/>
+              </a:buClr>
+              <a:buSzPts val="1800"/>
+              <a:buChar char="○"/>
+              <a:defRPr/>
+            </a:lvl2pPr>
+            <a:lvl3pPr marL="1371600" lvl="2" indent="-342900" algn="l" rtl="0">
+              <a:spcBef>
+                <a:spcPts val="360"/>
+              </a:spcBef>
+              <a:spcAft>
+                <a:spcPts val="0"/>
+              </a:spcAft>
+              <a:buClr>
+                <a:schemeClr val="dk1"/>
+              </a:buClr>
+              <a:buSzPts val="1800"/>
+              <a:buChar char="■"/>
+              <a:defRPr/>
+            </a:lvl3pPr>
+            <a:lvl4pPr marL="1828800" lvl="3" indent="-342900" algn="l" rtl="0">
+              <a:spcBef>
+                <a:spcPts val="360"/>
+              </a:spcBef>
+              <a:spcAft>
+                <a:spcPts val="0"/>
+              </a:spcAft>
+              <a:buClr>
+                <a:schemeClr val="dk1"/>
+              </a:buClr>
+              <a:buSzPts val="1800"/>
+              <a:buChar char="●"/>
+              <a:defRPr/>
+            </a:lvl4pPr>
+            <a:lvl5pPr marL="2286000" lvl="4" indent="-342900" algn="l" rtl="0">
+              <a:spcBef>
+                <a:spcPts val="360"/>
+              </a:spcBef>
+              <a:spcAft>
+                <a:spcPts val="0"/>
+              </a:spcAft>
+              <a:buClr>
+                <a:schemeClr val="dk1"/>
+              </a:buClr>
+              <a:buSzPts val="1800"/>
+              <a:buChar char="○"/>
+              <a:defRPr/>
+            </a:lvl5pPr>
+            <a:lvl6pPr marL="2743200" lvl="5" indent="-342900" algn="l" rtl="0">
+              <a:spcBef>
+                <a:spcPts val="360"/>
+              </a:spcBef>
+              <a:spcAft>
+                <a:spcPts val="0"/>
+              </a:spcAft>
+              <a:buClr>
+                <a:schemeClr val="dk1"/>
+              </a:buClr>
+              <a:buSzPts val="1800"/>
+              <a:buChar char="■"/>
+              <a:defRPr/>
+            </a:lvl6pPr>
+            <a:lvl7pPr marL="3200400" lvl="6" indent="-342900" algn="l" rtl="0">
+              <a:spcBef>
+                <a:spcPts val="2100"/>
+              </a:spcBef>
+              <a:spcAft>
+                <a:spcPts val="0"/>
+              </a:spcAft>
+              <a:buClr>
+                <a:schemeClr val="dk1"/>
+              </a:buClr>
+              <a:buSzPts val="1800"/>
+              <a:buChar char="●"/>
+              <a:defRPr/>
+            </a:lvl7pPr>
+            <a:lvl8pPr marL="3657600" lvl="7" indent="-342900" algn="l" rtl="0">
+              <a:spcBef>
+                <a:spcPts val="2100"/>
+              </a:spcBef>
+              <a:spcAft>
+                <a:spcPts val="0"/>
+              </a:spcAft>
+              <a:buClr>
+                <a:schemeClr val="dk1"/>
+              </a:buClr>
+              <a:buSzPts val="1800"/>
+              <a:buChar char="○"/>
+              <a:defRPr/>
+            </a:lvl8pPr>
+            <a:lvl9pPr marL="4114800" lvl="8" indent="-342900" algn="l" rtl="0">
+              <a:spcBef>
+                <a:spcPts val="2100"/>
+              </a:spcBef>
+              <a:spcAft>
+                <a:spcPts val="2100"/>
+              </a:spcAft>
+              <a:buClr>
+                <a:schemeClr val="dk1"/>
+              </a:buClr>
+              <a:buSzPts val="1800"/>
+              <a:buChar char="■"/>
+              <a:defRPr/>
+            </a:lvl9pPr>
+          </a:lstStyle>
+          <a:p>
+            <a:endParaRPr dirty="0"/>
+          </a:p>
+        </p:txBody>
+      </p:sp>
+      <p:sp>
+        <p:nvSpPr>
+          <p:cNvPr id="64" name="Google Shape;64;g6dad9273e7_0_53"/>
+          <p:cNvSpPr txBox="1"/>
+          <p:nvPr/>
+        </p:nvSpPr>
+        <p:spPr>
+          <a:xfrm>
+            <a:off x="5410" y="11929"/>
+            <a:ext cx="12192000" cy="1353806"/>
+          </a:xfrm>
+          <a:prstGeom prst="rect">
+            <a:avLst/>
+          </a:prstGeom>
+          <a:solidFill>
+            <a:srgbClr val="800000"/>
+          </a:solidFill>
+          <a:ln>
+            <a:noFill/>
+          </a:ln>
+        </p:spPr>
+        <p:txBody>
+          <a:bodyPr spcFirstLastPara="1" wrap="square" lIns="121900" tIns="60950" rIns="121900" bIns="60950" anchor="ctr" anchorCtr="0">
+            <a:noAutofit/>
+          </a:bodyPr>
+          <a:lstStyle/>
+          <a:p>
+            <a:pPr marL="0" marR="0" lvl="0" indent="0" algn="ctr" rtl="0">
+              <a:spcBef>
+                <a:spcPts val="0"/>
+              </a:spcBef>
+              <a:spcAft>
+                <a:spcPts val="0"/>
+              </a:spcAft>
+              <a:buNone/>
+            </a:pPr>
+            <a:endParaRPr sz="3300" b="0" i="0" u="none" strike="noStrike" cap="none" dirty="0">
+              <a:solidFill>
+                <a:schemeClr val="bg1"/>
+              </a:solidFill>
+              <a:latin typeface="Calibri"/>
+              <a:ea typeface="Calibri"/>
+              <a:cs typeface="Calibri"/>
+              <a:sym typeface="Calibri"/>
+            </a:endParaRPr>
+          </a:p>
+        </p:txBody>
+      </p:sp>
+      <p:sp>
+        <p:nvSpPr>
+          <p:cNvPr id="2" name="Title 1">
+            <a:extLst>
+              <a:ext uri="{FF2B5EF4-FFF2-40B4-BE49-F238E27FC236}">
+                <a16:creationId xmlns:a16="http://schemas.microsoft.com/office/drawing/2014/main" id="{FB058E15-DEBE-0941-A587-4DF3467F6618}"/>
+              </a:ext>
+            </a:extLst>
+          </p:cNvPr>
+          <p:cNvSpPr>
+            <a:spLocks noGrp="1"/>
+          </p:cNvSpPr>
+          <p:nvPr>
+            <p:ph type="title"/>
+          </p:nvPr>
+        </p:nvSpPr>
+        <p:spPr>
+          <a:xfrm>
+            <a:off x="130558" y="418466"/>
+            <a:ext cx="11360700" cy="763500"/>
+          </a:xfrm>
+        </p:spPr>
+        <p:txBody>
+          <a:bodyPr/>
+          <a:lstStyle>
+            <a:lvl1pPr>
+              <a:defRPr>
+                <a:solidFill>
+                  <a:schemeClr val="bg1"/>
+                </a:solidFill>
+              </a:defRPr>
+            </a:lvl1pPr>
+          </a:lstStyle>
+          <a:p>
+            <a:r>
+              <a:rPr lang="en-US"/>
+              <a:t>Click to edit Master title style</a:t>
+            </a:r>
+          </a:p>
+        </p:txBody>
+      </p:sp>
+    </p:spTree>
+    <p:extLst>
+      <p:ext uri="{BB962C8B-B14F-4D97-AF65-F5344CB8AC3E}">
+        <p14:creationId xmlns:p14="http://schemas.microsoft.com/office/powerpoint/2010/main" val="83637674"/>
+      </p:ext>
+    </p:extLst>
+  </p:cSld>
+  <p:clrMapOvr>
+    <a:masterClrMapping/>
+  </p:clrMapOvr>
+</p:sldLayout>
+</file>
+
 <file path=ppt/slideMasters/slideMaster1.xml><?xml version="1.0" encoding="utf-8"?>
 <p:sldMaster xmlns:a="http://schemas.openxmlformats.org/drawingml/2006/main" xmlns:r="http://schemas.openxmlformats.org/officeDocument/2006/relationships" xmlns:p="http://schemas.openxmlformats.org/presentationml/2006/main">
   <p:cSld name="simple-light-2">
@@ -11661,6 +11941,7 @@
     <p:sldLayoutId id="2147483651" r:id="rId3"/>
     <p:sldLayoutId id="2147483652" r:id="rId4"/>
     <p:sldLayoutId id="2147483654" r:id="rId5"/>
+    <p:sldLayoutId id="2147483655" r:id="rId6"/>
   </p:sldLayoutIdLst>
   <p:hf sldNum="0" hdr="0" ftr="0" dt="0"/>
   <p:txStyles>
@@ -12623,6 +12904,133 @@
   <p:cSld>
     <p:spTree>
       <p:nvGrpSpPr>
+        <p:cNvPr id="1" name="Shape 88"/>
+        <p:cNvGrpSpPr/>
+        <p:nvPr/>
+      </p:nvGrpSpPr>
+      <p:grpSpPr>
+        <a:xfrm>
+          <a:off x="0" y="0"/>
+          <a:ext cx="0" cy="0"/>
+          <a:chOff x="0" y="0"/>
+          <a:chExt cx="0" cy="0"/>
+        </a:xfrm>
+      </p:grpSpPr>
+      <p:sp>
+        <p:nvSpPr>
+          <p:cNvPr id="89" name="Google Shape;89;p27"/>
+          <p:cNvSpPr txBox="1">
+            <a:spLocks noGrp="1"/>
+          </p:cNvSpPr>
+          <p:nvPr>
+            <p:ph type="title"/>
+          </p:nvPr>
+        </p:nvSpPr>
+        <p:spPr>
+          <a:xfrm>
+            <a:off x="415600" y="86563"/>
+            <a:ext cx="11360700" cy="763500"/>
+          </a:xfrm>
+          <a:prstGeom prst="rect">
+            <a:avLst/>
+          </a:prstGeom>
+          <a:noFill/>
+          <a:ln>
+            <a:noFill/>
+          </a:ln>
+        </p:spPr>
+        <p:txBody>
+          <a:bodyPr spcFirstLastPara="1" wrap="square" lIns="121900" tIns="121900" rIns="121900" bIns="121900" anchor="t" anchorCtr="0">
+            <a:normAutofit fontScale="90000"/>
+          </a:bodyPr>
+          <a:lstStyle/>
+          <a:p>
+            <a:pPr marL="0" lvl="0" indent="0" algn="l" rtl="0">
+              <a:lnSpc>
+                <a:spcPct val="100000"/>
+              </a:lnSpc>
+              <a:spcBef>
+                <a:spcPts val="0"/>
+              </a:spcBef>
+              <a:spcAft>
+                <a:spcPts val="0"/>
+              </a:spcAft>
+              <a:buClr>
+                <a:srgbClr val="FFFFFF"/>
+              </a:buClr>
+              <a:buSzPts val="3700"/>
+              <a:buNone/>
+            </a:pPr>
+            <a:r>
+              <a:rPr lang="en-US" sz="4320" dirty="0"/>
+              <a:t>What do we want from a global explanation?</a:t>
+            </a:r>
+            <a:endParaRPr dirty="0"/>
+          </a:p>
+        </p:txBody>
+      </p:sp>
+      <p:sp>
+        <p:nvSpPr>
+          <p:cNvPr id="90" name="Google Shape;90;p27"/>
+          <p:cNvSpPr txBox="1">
+            <a:spLocks noGrp="1"/>
+          </p:cNvSpPr>
+          <p:nvPr>
+            <p:ph type="body" idx="1"/>
+          </p:nvPr>
+        </p:nvSpPr>
+        <p:spPr>
+          <a:xfrm>
+            <a:off x="415600" y="1536633"/>
+            <a:ext cx="11360700" cy="4555200"/>
+          </a:xfrm>
+          <a:prstGeom prst="rect">
+            <a:avLst/>
+          </a:prstGeom>
+          <a:noFill/>
+          <a:ln>
+            <a:noFill/>
+          </a:ln>
+        </p:spPr>
+        <p:txBody>
+          <a:bodyPr spcFirstLastPara="1" wrap="square" lIns="121900" tIns="121900" rIns="121900" bIns="121900" anchor="t" anchorCtr="0">
+            <a:noAutofit/>
+          </a:bodyPr>
+          <a:lstStyle/>
+          <a:p>
+            <a:pPr marL="457200" lvl="0" indent="-228600" algn="l" rtl="0">
+              <a:lnSpc>
+                <a:spcPct val="115000"/>
+              </a:lnSpc>
+              <a:spcBef>
+                <a:spcPts val="0"/>
+              </a:spcBef>
+              <a:spcAft>
+                <a:spcPts val="0"/>
+              </a:spcAft>
+              <a:buClr>
+                <a:srgbClr val="434343"/>
+              </a:buClr>
+              <a:buSzPts val="2400"/>
+              <a:buNone/>
+            </a:pPr>
+            <a:endParaRPr/>
+          </a:p>
+        </p:txBody>
+      </p:sp>
+    </p:spTree>
+  </p:cSld>
+  <p:clrMapOvr>
+    <a:masterClrMapping/>
+  </p:clrMapOvr>
+</p:sld>
+</file>
+
+<file path=ppt/slides/slide11.xml><?xml version="1.0" encoding="utf-8"?>
+<p:sld xmlns:a="http://schemas.openxmlformats.org/drawingml/2006/main" xmlns:r="http://schemas.openxmlformats.org/officeDocument/2006/relationships" xmlns:p="http://schemas.openxmlformats.org/presentationml/2006/main">
+  <p:cSld>
+    <p:spTree>
+      <p:nvGrpSpPr>
         <p:cNvPr id="1" name="Shape 100"/>
         <p:cNvGrpSpPr/>
         <p:nvPr/>
@@ -12829,6 +13237,28 @@
               <a:rPr lang="en-US" dirty="0"/>
               <a:t>NNs</a:t>
             </a:r>
+          </a:p>
+          <a:p>
+            <a:pPr marL="457200" lvl="0" indent="-381000" algn="l" rtl="0">
+              <a:lnSpc>
+                <a:spcPct val="115000"/>
+              </a:lnSpc>
+              <a:spcBef>
+                <a:spcPts val="0"/>
+              </a:spcBef>
+              <a:spcAft>
+                <a:spcPts val="0"/>
+              </a:spcAft>
+              <a:buClr>
+                <a:srgbClr val="434343"/>
+              </a:buClr>
+              <a:buSzPts val="2400"/>
+              <a:buChar char="●"/>
+            </a:pPr>
+            <a:r>
+              <a:rPr lang="en-US" dirty="0"/>
+              <a:t>Are there other methods that are easier to interpret/understand out of the box?</a:t>
+            </a:r>
             <a:endParaRPr dirty="0"/>
           </a:p>
         </p:txBody>
@@ -12841,7 +13271,7 @@
 </p:sld>
 </file>
 
-<file path=ppt/slides/slide11.xml><?xml version="1.0" encoding="utf-8"?>
+<file path=ppt/slides/slide12.xml><?xml version="1.0" encoding="utf-8"?>
 <p:sld xmlns:a="http://schemas.openxmlformats.org/drawingml/2006/main" xmlns:r="http://schemas.openxmlformats.org/officeDocument/2006/relationships" xmlns:p="http://schemas.openxmlformats.org/presentationml/2006/main">
   <p:cSld>
     <p:spTree>
@@ -12973,7 +13403,7 @@
 </p:sld>
 </file>
 
-<file path=ppt/slides/slide12.xml><?xml version="1.0" encoding="utf-8"?>
+<file path=ppt/slides/slide13.xml><?xml version="1.0" encoding="utf-8"?>
 <p:sld xmlns:a="http://schemas.openxmlformats.org/drawingml/2006/main" xmlns:r="http://schemas.openxmlformats.org/officeDocument/2006/relationships" xmlns:p="http://schemas.openxmlformats.org/presentationml/2006/main">
   <p:cSld>
     <p:spTree>
@@ -13018,15 +13448,482 @@
           </a:p>
         </p:txBody>
       </p:sp>
-      <p:sp>
-        <p:nvSpPr>
-          <p:cNvPr id="3" name="Text Placeholder 2">
+      <p:graphicFrame>
+        <p:nvGraphicFramePr>
+          <p:cNvPr id="4" name="Google Shape;78;p26">
             <a:extLst>
               <a:ext uri="{FF2B5EF4-FFF2-40B4-BE49-F238E27FC236}">
-                <a16:creationId xmlns:a16="http://schemas.microsoft.com/office/drawing/2014/main" id="{CD370BC9-8307-054B-8A0E-429E737B7032}"/>
+                <a16:creationId xmlns:a16="http://schemas.microsoft.com/office/drawing/2014/main" id="{BFCAA572-37A5-214E-AC62-0779C711026F}"/>
               </a:ext>
             </a:extLst>
           </p:cNvPr>
+          <p:cNvGraphicFramePr/>
+          <p:nvPr>
+            <p:extLst>
+              <p:ext uri="{D42A27DB-BD31-4B8C-83A1-F6EECF244321}">
+                <p14:modId xmlns:p14="http://schemas.microsoft.com/office/powerpoint/2010/main" val="743395883"/>
+              </p:ext>
+            </p:extLst>
+          </p:nvPr>
+        </p:nvGraphicFramePr>
+        <p:xfrm>
+          <a:off x="263475" y="1911047"/>
+          <a:ext cx="11150759" cy="3163125"/>
+        </p:xfrm>
+        <a:graphic>
+          <a:graphicData uri="http://schemas.openxmlformats.org/drawingml/2006/table">
+            <a:tbl>
+              <a:tblPr firstRow="1" bandRow="1">
+                <a:noFill/>
+                <a:tableStyleId>{5A04CC6A-533F-41F1-990F-45FB056E221C}</a:tableStyleId>
+              </a:tblPr>
+              <a:tblGrid>
+                <a:gridCol w="3057794">
+                  <a:extLst>
+                    <a:ext uri="{9D8B030D-6E8A-4147-A177-3AD203B41FA5}">
+                      <a16:colId xmlns:a16="http://schemas.microsoft.com/office/drawing/2014/main" val="20000"/>
+                    </a:ext>
+                  </a:extLst>
+                </a:gridCol>
+                <a:gridCol w="8092965">
+                  <a:extLst>
+                    <a:ext uri="{9D8B030D-6E8A-4147-A177-3AD203B41FA5}">
+                      <a16:colId xmlns:a16="http://schemas.microsoft.com/office/drawing/2014/main" val="20001"/>
+                    </a:ext>
+                  </a:extLst>
+                </a:gridCol>
+              </a:tblGrid>
+              <a:tr h="494450">
+                <a:tc>
+                  <a:txBody>
+                    <a:bodyPr/>
+                    <a:lstStyle/>
+                    <a:p>
+                      <a:pPr marL="0" marR="0" lvl="0" indent="0" algn="l" rtl="0">
+                        <a:lnSpc>
+                          <a:spcPct val="100000"/>
+                        </a:lnSpc>
+                        <a:spcBef>
+                          <a:spcPts val="0"/>
+                        </a:spcBef>
+                        <a:spcAft>
+                          <a:spcPts val="0"/>
+                        </a:spcAft>
+                        <a:buNone/>
+                      </a:pPr>
+                      <a:r>
+                        <a:rPr lang="en-US" sz="2000" u="none" strike="noStrike" cap="none" dirty="0"/>
+                        <a:t>Use Case</a:t>
+                      </a:r>
+                      <a:endParaRPr dirty="0"/>
+                    </a:p>
+                  </a:txBody>
+                  <a:tcPr marL="121925" marR="121925" marT="60950" marB="60950"/>
+                </a:tc>
+                <a:tc>
+                  <a:txBody>
+                    <a:bodyPr/>
+                    <a:lstStyle/>
+                    <a:p>
+                      <a:pPr marL="0" marR="0" lvl="0" indent="0" algn="l" rtl="0">
+                        <a:lnSpc>
+                          <a:spcPct val="100000"/>
+                        </a:lnSpc>
+                        <a:spcBef>
+                          <a:spcPts val="0"/>
+                        </a:spcBef>
+                        <a:spcAft>
+                          <a:spcPts val="0"/>
+                        </a:spcAft>
+                        <a:buNone/>
+                      </a:pPr>
+                      <a:r>
+                        <a:rPr lang="en-US" sz="2000" u="none" strike="noStrike" cap="none" dirty="0"/>
+                        <a:t>Evaluation Methodology</a:t>
+                      </a:r>
+                      <a:endParaRPr dirty="0"/>
+                    </a:p>
+                  </a:txBody>
+                  <a:tcPr marL="121925" marR="121925" marT="60950" marB="60950"/>
+                </a:tc>
+                <a:extLst>
+                  <a:ext uri="{0D108BD9-81ED-4DB2-BD59-A6C34878D82A}">
+                    <a16:rowId xmlns:a16="http://schemas.microsoft.com/office/drawing/2014/main" val="10000"/>
+                  </a:ext>
+                </a:extLst>
+              </a:tr>
+              <a:tr h="494450">
+                <a:tc>
+                  <a:txBody>
+                    <a:bodyPr/>
+                    <a:lstStyle/>
+                    <a:p>
+                      <a:pPr marL="0" marR="0" lvl="0" indent="0" algn="l" rtl="0">
+                        <a:lnSpc>
+                          <a:spcPct val="100000"/>
+                        </a:lnSpc>
+                        <a:spcBef>
+                          <a:spcPts val="0"/>
+                        </a:spcBef>
+                        <a:spcAft>
+                          <a:spcPts val="0"/>
+                        </a:spcAft>
+                        <a:buNone/>
+                      </a:pPr>
+                      <a:r>
+                        <a:rPr lang="en-US" sz="1900" u="none" strike="noStrike" cap="none"/>
+                        <a:t>Debugging</a:t>
+                      </a:r>
+                      <a:endParaRPr/>
+                    </a:p>
+                  </a:txBody>
+                  <a:tcPr marL="121925" marR="121925" marT="60950" marB="60950"/>
+                </a:tc>
+                <a:tc>
+                  <a:txBody>
+                    <a:bodyPr/>
+                    <a:lstStyle/>
+                    <a:p>
+                      <a:pPr marL="0" lvl="0" indent="0" algn="l" rtl="0">
+                        <a:spcBef>
+                          <a:spcPts val="0"/>
+                        </a:spcBef>
+                        <a:spcAft>
+                          <a:spcPts val="0"/>
+                        </a:spcAft>
+                        <a:buNone/>
+                      </a:pPr>
+                      <a:endParaRPr/>
+                    </a:p>
+                  </a:txBody>
+                  <a:tcPr marL="121925" marR="121925" marT="60950" marB="60950"/>
+                </a:tc>
+                <a:extLst>
+                  <a:ext uri="{0D108BD9-81ED-4DB2-BD59-A6C34878D82A}">
+                    <a16:rowId xmlns:a16="http://schemas.microsoft.com/office/drawing/2014/main" val="10001"/>
+                  </a:ext>
+                </a:extLst>
+              </a:tr>
+              <a:tr h="690875">
+                <a:tc>
+                  <a:txBody>
+                    <a:bodyPr/>
+                    <a:lstStyle/>
+                    <a:p>
+                      <a:pPr marL="0" marR="0" lvl="0" indent="0" algn="l" rtl="0">
+                        <a:lnSpc>
+                          <a:spcPct val="100000"/>
+                        </a:lnSpc>
+                        <a:spcBef>
+                          <a:spcPts val="0"/>
+                        </a:spcBef>
+                        <a:spcAft>
+                          <a:spcPts val="0"/>
+                        </a:spcAft>
+                        <a:buNone/>
+                      </a:pPr>
+                      <a:r>
+                        <a:rPr lang="en-US" sz="1900" u="none" strike="noStrike" cap="none"/>
+                        <a:t>Improving performance</a:t>
+                      </a:r>
+                      <a:endParaRPr/>
+                    </a:p>
+                  </a:txBody>
+                  <a:tcPr marL="121925" marR="121925" marT="60950" marB="60950"/>
+                </a:tc>
+                <a:tc>
+                  <a:txBody>
+                    <a:bodyPr/>
+                    <a:lstStyle/>
+                    <a:p>
+                      <a:pPr marL="0" lvl="0" indent="0" algn="l" rtl="0">
+                        <a:spcBef>
+                          <a:spcPts val="0"/>
+                        </a:spcBef>
+                        <a:spcAft>
+                          <a:spcPts val="0"/>
+                        </a:spcAft>
+                        <a:buNone/>
+                      </a:pPr>
+                      <a:endParaRPr/>
+                    </a:p>
+                  </a:txBody>
+                  <a:tcPr marL="121925" marR="121925" marT="60950" marB="60950"/>
+                </a:tc>
+                <a:extLst>
+                  <a:ext uri="{0D108BD9-81ED-4DB2-BD59-A6C34878D82A}">
+                    <a16:rowId xmlns:a16="http://schemas.microsoft.com/office/drawing/2014/main" val="10002"/>
+                  </a:ext>
+                </a:extLst>
+              </a:tr>
+              <a:tr h="494450">
+                <a:tc>
+                  <a:txBody>
+                    <a:bodyPr/>
+                    <a:lstStyle/>
+                    <a:p>
+                      <a:pPr marL="0" marR="0" lvl="0" indent="0" algn="l" rtl="0">
+                        <a:lnSpc>
+                          <a:spcPct val="100000"/>
+                        </a:lnSpc>
+                        <a:spcBef>
+                          <a:spcPts val="0"/>
+                        </a:spcBef>
+                        <a:spcAft>
+                          <a:spcPts val="0"/>
+                        </a:spcAft>
+                        <a:buNone/>
+                      </a:pPr>
+                      <a:r>
+                        <a:rPr lang="en-US" sz="1900" u="none" strike="noStrike" cap="none"/>
+                        <a:t>Trust</a:t>
+                      </a:r>
+                      <a:endParaRPr/>
+                    </a:p>
+                  </a:txBody>
+                  <a:tcPr marL="121925" marR="121925" marT="60950" marB="60950"/>
+                </a:tc>
+                <a:tc>
+                  <a:txBody>
+                    <a:bodyPr/>
+                    <a:lstStyle/>
+                    <a:p>
+                      <a:pPr marL="0" lvl="0" indent="0" algn="l" rtl="0">
+                        <a:spcBef>
+                          <a:spcPts val="0"/>
+                        </a:spcBef>
+                        <a:spcAft>
+                          <a:spcPts val="0"/>
+                        </a:spcAft>
+                        <a:buNone/>
+                      </a:pPr>
+                      <a:endParaRPr/>
+                    </a:p>
+                  </a:txBody>
+                  <a:tcPr marL="121925" marR="121925" marT="60950" marB="60950"/>
+                </a:tc>
+                <a:extLst>
+                  <a:ext uri="{0D108BD9-81ED-4DB2-BD59-A6C34878D82A}">
+                    <a16:rowId xmlns:a16="http://schemas.microsoft.com/office/drawing/2014/main" val="10003"/>
+                  </a:ext>
+                </a:extLst>
+              </a:tr>
+              <a:tr h="494450">
+                <a:tc>
+                  <a:txBody>
+                    <a:bodyPr/>
+                    <a:lstStyle/>
+                    <a:p>
+                      <a:pPr marL="0" marR="0" lvl="0" indent="0" algn="l" rtl="0">
+                        <a:lnSpc>
+                          <a:spcPct val="100000"/>
+                        </a:lnSpc>
+                        <a:spcBef>
+                          <a:spcPts val="0"/>
+                        </a:spcBef>
+                        <a:spcAft>
+                          <a:spcPts val="0"/>
+                        </a:spcAft>
+                        <a:buNone/>
+                      </a:pPr>
+                      <a:r>
+                        <a:rPr lang="en-US" sz="1900" u="none" strike="noStrike" cap="none"/>
+                        <a:t>Interventions</a:t>
+                      </a:r>
+                      <a:endParaRPr/>
+                    </a:p>
+                  </a:txBody>
+                  <a:tcPr marL="121925" marR="121925" marT="60950" marB="60950"/>
+                </a:tc>
+                <a:tc>
+                  <a:txBody>
+                    <a:bodyPr/>
+                    <a:lstStyle/>
+                    <a:p>
+                      <a:pPr marL="0" lvl="0" indent="0" algn="l" rtl="0">
+                        <a:spcBef>
+                          <a:spcPts val="0"/>
+                        </a:spcBef>
+                        <a:spcAft>
+                          <a:spcPts val="0"/>
+                        </a:spcAft>
+                        <a:buNone/>
+                      </a:pPr>
+                      <a:endParaRPr/>
+                    </a:p>
+                  </a:txBody>
+                  <a:tcPr marL="121925" marR="121925" marT="60950" marB="60950"/>
+                </a:tc>
+                <a:extLst>
+                  <a:ext uri="{0D108BD9-81ED-4DB2-BD59-A6C34878D82A}">
+                    <a16:rowId xmlns:a16="http://schemas.microsoft.com/office/drawing/2014/main" val="10004"/>
+                  </a:ext>
+                </a:extLst>
+              </a:tr>
+              <a:tr h="494450">
+                <a:tc>
+                  <a:txBody>
+                    <a:bodyPr/>
+                    <a:lstStyle/>
+                    <a:p>
+                      <a:pPr marL="0" marR="0" lvl="0" indent="0" algn="l" rtl="0">
+                        <a:lnSpc>
+                          <a:spcPct val="100000"/>
+                        </a:lnSpc>
+                        <a:spcBef>
+                          <a:spcPts val="0"/>
+                        </a:spcBef>
+                        <a:spcAft>
+                          <a:spcPts val="0"/>
+                        </a:spcAft>
+                        <a:buNone/>
+                      </a:pPr>
+                      <a:r>
+                        <a:rPr lang="en-US" sz="1900" u="none" strike="noStrike" cap="none"/>
+                        <a:t>Recourse</a:t>
+                      </a:r>
+                      <a:endParaRPr/>
+                    </a:p>
+                  </a:txBody>
+                  <a:tcPr marL="121925" marR="121925" marT="60950" marB="60950"/>
+                </a:tc>
+                <a:tc>
+                  <a:txBody>
+                    <a:bodyPr/>
+                    <a:lstStyle/>
+                    <a:p>
+                      <a:pPr marL="0" lvl="0" indent="0" algn="l" rtl="0">
+                        <a:spcBef>
+                          <a:spcPts val="0"/>
+                        </a:spcBef>
+                        <a:spcAft>
+                          <a:spcPts val="0"/>
+                        </a:spcAft>
+                        <a:buNone/>
+                      </a:pPr>
+                      <a:endParaRPr dirty="0"/>
+                    </a:p>
+                  </a:txBody>
+                  <a:tcPr marL="121925" marR="121925" marT="60950" marB="60950"/>
+                </a:tc>
+                <a:extLst>
+                  <a:ext uri="{0D108BD9-81ED-4DB2-BD59-A6C34878D82A}">
+                    <a16:rowId xmlns:a16="http://schemas.microsoft.com/office/drawing/2014/main" val="10005"/>
+                  </a:ext>
+                </a:extLst>
+              </a:tr>
+            </a:tbl>
+          </a:graphicData>
+        </a:graphic>
+      </p:graphicFrame>
+    </p:spTree>
+    <p:extLst>
+      <p:ext uri="{BB962C8B-B14F-4D97-AF65-F5344CB8AC3E}">
+        <p14:creationId xmlns:p14="http://schemas.microsoft.com/office/powerpoint/2010/main" val="3148254827"/>
+      </p:ext>
+    </p:extLst>
+  </p:cSld>
+  <p:clrMapOvr>
+    <a:masterClrMapping/>
+  </p:clrMapOvr>
+  <p:timing>
+    <p:tnLst>
+      <p:par>
+        <p:cTn id="1" dur="indefinite" restart="never" nodeType="tmRoot">
+          <p:childTnLst>
+            <p:seq concurrent="1" nextAc="seek">
+              <p:cTn id="2" dur="indefinite" nodeType="mainSeq">
+                <p:childTnLst>
+                  <p:par>
+                    <p:cTn id="3" fill="hold">
+                      <p:stCondLst>
+                        <p:cond delay="indefinite"/>
+                      </p:stCondLst>
+                      <p:childTnLst>
+                        <p:par>
+                          <p:cTn id="4" fill="hold">
+                            <p:stCondLst>
+                              <p:cond delay="0"/>
+                            </p:stCondLst>
+                            <p:childTnLst>
+                              <p:par>
+                                <p:cTn id="5" presetID="1" presetClass="entr" presetSubtype="0" fill="hold" nodeType="clickEffect">
+                                  <p:stCondLst>
+                                    <p:cond delay="0"/>
+                                  </p:stCondLst>
+                                  <p:childTnLst>
+                                    <p:set>
+                                      <p:cBhvr>
+                                        <p:cTn id="6" dur="1" fill="hold">
+                                          <p:stCondLst>
+                                            <p:cond delay="0"/>
+                                          </p:stCondLst>
+                                        </p:cTn>
+                                        <p:tgtEl>
+                                          <p:spTgt spid="4"/>
+                                        </p:tgtEl>
+                                        <p:attrNameLst>
+                                          <p:attrName>style.visibility</p:attrName>
+                                        </p:attrNameLst>
+                                      </p:cBhvr>
+                                      <p:to>
+                                        <p:strVal val="visible"/>
+                                      </p:to>
+                                    </p:set>
+                                  </p:childTnLst>
+                                </p:cTn>
+                              </p:par>
+                            </p:childTnLst>
+                          </p:cTn>
+                        </p:par>
+                      </p:childTnLst>
+                    </p:cTn>
+                  </p:par>
+                </p:childTnLst>
+              </p:cTn>
+              <p:prevCondLst>
+                <p:cond evt="onPrev" delay="0">
+                  <p:tgtEl>
+                    <p:sldTgt/>
+                  </p:tgtEl>
+                </p:cond>
+              </p:prevCondLst>
+              <p:nextCondLst>
+                <p:cond evt="onNext" delay="0">
+                  <p:tgtEl>
+                    <p:sldTgt/>
+                  </p:tgtEl>
+                </p:cond>
+              </p:nextCondLst>
+            </p:seq>
+          </p:childTnLst>
+        </p:cTn>
+      </p:par>
+    </p:tnLst>
+  </p:timing>
+</p:sld>
+</file>
+
+<file path=ppt/slides/slide2.xml><?xml version="1.0" encoding="utf-8"?>
+<p:sld xmlns:a="http://schemas.openxmlformats.org/drawingml/2006/main" xmlns:r="http://schemas.openxmlformats.org/officeDocument/2006/relationships" xmlns:p="http://schemas.openxmlformats.org/presentationml/2006/main">
+  <p:cSld>
+    <p:spTree>
+      <p:nvGrpSpPr>
+        <p:cNvPr id="1" name=""/>
+        <p:cNvGrpSpPr/>
+        <p:nvPr/>
+      </p:nvGrpSpPr>
+      <p:grpSpPr>
+        <a:xfrm>
+          <a:off x="0" y="0"/>
+          <a:ext cx="0" cy="0"/>
+          <a:chOff x="0" y="0"/>
+          <a:chExt cx="0" cy="0"/>
+        </a:xfrm>
+      </p:grpSpPr>
+      <p:sp>
+        <p:nvSpPr>
+          <p:cNvPr id="2" name="Content Placeholder 1"/>
           <p:cNvSpPr>
             <a:spLocks noGrp="1"/>
           </p:cNvSpPr>
@@ -13039,14 +13936,142 @@
           <a:bodyPr/>
           <a:lstStyle/>
           <a:p>
-            <a:endParaRPr lang="en-US"/>
+            <a:r>
+              <a:rPr lang="en-US" dirty="0">
+                <a:solidFill>
+                  <a:schemeClr val="tx1"/>
+                </a:solidFill>
+              </a:rPr>
+              <a:t>Module 2 &amp; 3 classes focus on 2-3 methods/approaches each day</a:t>
+            </a:r>
+            <a:br>
+              <a:rPr lang="en-US" dirty="0">
+                <a:solidFill>
+                  <a:schemeClr val="tx1"/>
+                </a:solidFill>
+              </a:rPr>
+            </a:br>
+            <a:endParaRPr lang="en-US" sz="1400" dirty="0">
+              <a:solidFill>
+                <a:schemeClr val="tx1"/>
+              </a:solidFill>
+            </a:endParaRPr>
+          </a:p>
+          <a:p>
+            <a:r>
+              <a:rPr lang="en-US" dirty="0">
+                <a:solidFill>
+                  <a:schemeClr val="tx1"/>
+                </a:solidFill>
+              </a:rPr>
+              <a:t>Each group responsible for applying one approach from each class (may implement from scratch or use existing packages)</a:t>
+            </a:r>
+            <a:br>
+              <a:rPr lang="en-US" dirty="0">
+                <a:solidFill>
+                  <a:schemeClr val="tx1"/>
+                </a:solidFill>
+              </a:rPr>
+            </a:br>
+            <a:endParaRPr lang="en-US" sz="1400" dirty="0"/>
+          </a:p>
+          <a:p>
+            <a:r>
+              <a:rPr lang="en-US" dirty="0">
+                <a:solidFill>
+                  <a:schemeClr val="tx1"/>
+                </a:solidFill>
+              </a:rPr>
+              <a:t>“Extended Abstract” (3-4 pages) at end of the module comparing these results</a:t>
+            </a:r>
+            <a:br>
+              <a:rPr lang="en-US" dirty="0">
+                <a:solidFill>
+                  <a:schemeClr val="tx1"/>
+                </a:solidFill>
+              </a:rPr>
+            </a:br>
+            <a:endParaRPr lang="en-US" sz="1400" dirty="0">
+              <a:solidFill>
+                <a:schemeClr val="tx1"/>
+              </a:solidFill>
+            </a:endParaRPr>
+          </a:p>
+          <a:p>
+            <a:r>
+              <a:rPr lang="en-US" dirty="0">
+                <a:solidFill>
+                  <a:schemeClr val="tx1"/>
+                </a:solidFill>
+              </a:rPr>
+              <a:t>Presentations and “discussants” (15 minutes)</a:t>
+            </a:r>
+          </a:p>
+          <a:p>
+            <a:pPr lvl="1"/>
+            <a:r>
+              <a:rPr lang="en-US" sz="2000" dirty="0">
+                <a:solidFill>
+                  <a:schemeClr val="tx1"/>
+                </a:solidFill>
+              </a:rPr>
+              <a:t>We will assign one of each, other methods up to you</a:t>
+            </a:r>
+          </a:p>
+          <a:p>
+            <a:pPr lvl="1"/>
+            <a:r>
+              <a:rPr lang="en-US" sz="2000" dirty="0">
+                <a:solidFill>
+                  <a:schemeClr val="tx1"/>
+                </a:solidFill>
+              </a:rPr>
+              <a:t>Method overview and preliminary results</a:t>
+            </a:r>
+            <a:endParaRPr lang="en-US" dirty="0">
+              <a:solidFill>
+                <a:schemeClr val="tx1"/>
+              </a:solidFill>
+            </a:endParaRPr>
+          </a:p>
+        </p:txBody>
+      </p:sp>
+      <p:sp>
+        <p:nvSpPr>
+          <p:cNvPr id="3" name="Title 2"/>
+          <p:cNvSpPr>
+            <a:spLocks noGrp="1"/>
+          </p:cNvSpPr>
+          <p:nvPr>
+            <p:ph type="title"/>
+          </p:nvPr>
+        </p:nvSpPr>
+        <p:spPr>
+          <a:xfrm>
+            <a:off x="0" y="325028"/>
+            <a:ext cx="12192000" cy="1143000"/>
+          </a:xfrm>
+        </p:spPr>
+        <p:txBody>
+          <a:bodyPr/>
+          <a:lstStyle/>
+          <a:p>
+            <a:r>
+              <a:rPr lang="en-US" dirty="0"/>
+              <a:t>Going Forward: Modules 2 and 3</a:t>
+            </a:r>
+            <a:endParaRPr lang="en-US" dirty="0">
+              <a:solidFill>
+                <a:schemeClr val="bg1"/>
+              </a:solidFill>
+            </a:endParaRPr>
           </a:p>
         </p:txBody>
       </p:sp>
     </p:spTree>
     <p:extLst>
       <p:ext uri="{BB962C8B-B14F-4D97-AF65-F5344CB8AC3E}">
-        <p14:creationId xmlns:p14="http://schemas.microsoft.com/office/powerpoint/2010/main" val="3148254827"/>
+        <p14:creationId xmlns:p14="http://schemas.microsoft.com/office/powerpoint/2010/main" val="3395991364"/>
       </p:ext>
     </p:extLst>
   </p:cSld>
@@ -13056,7 +14081,7 @@
 </p:sld>
 </file>
 
-<file path=ppt/slides/slide2.xml><?xml version="1.0" encoding="utf-8"?>
+<file path=ppt/slides/slide3.xml><?xml version="1.0" encoding="utf-8"?>
 <p:sld xmlns:a="http://schemas.openxmlformats.org/drawingml/2006/main" xmlns:r="http://schemas.openxmlformats.org/officeDocument/2006/relationships" xmlns:p="http://schemas.openxmlformats.org/presentationml/2006/main">
   <p:cSld>
     <p:spTree>
@@ -13164,7 +14189,7 @@
 </p:sld>
 </file>
 
-<file path=ppt/slides/slide3.xml><?xml version="1.0" encoding="utf-8"?>
+<file path=ppt/slides/slide4.xml><?xml version="1.0" encoding="utf-8"?>
 <p:sld xmlns:a="http://schemas.openxmlformats.org/drawingml/2006/main" xmlns:r="http://schemas.openxmlformats.org/officeDocument/2006/relationships" xmlns:p="http://schemas.openxmlformats.org/presentationml/2006/main">
   <p:cSld>
     <p:spTree>
@@ -13293,219 +14318,6 @@
 </p:sld>
 </file>
 
-<file path=ppt/slides/slide4.xml><?xml version="1.0" encoding="utf-8"?>
-<p:sld xmlns:a="http://schemas.openxmlformats.org/drawingml/2006/main" xmlns:r="http://schemas.openxmlformats.org/officeDocument/2006/relationships" xmlns:p="http://schemas.openxmlformats.org/presentationml/2006/main">
-  <p:cSld>
-    <p:spTree>
-      <p:nvGrpSpPr>
-        <p:cNvPr id="1" name="Shape 59"/>
-        <p:cNvGrpSpPr/>
-        <p:nvPr/>
-      </p:nvGrpSpPr>
-      <p:grpSpPr>
-        <a:xfrm>
-          <a:off x="0" y="0"/>
-          <a:ext cx="0" cy="0"/>
-          <a:chOff x="0" y="0"/>
-          <a:chExt cx="0" cy="0"/>
-        </a:xfrm>
-      </p:grpSpPr>
-      <p:sp>
-        <p:nvSpPr>
-          <p:cNvPr id="60" name="Google Shape;60;p24"/>
-          <p:cNvSpPr txBox="1">
-            <a:spLocks noGrp="1"/>
-          </p:cNvSpPr>
-          <p:nvPr>
-            <p:ph type="title"/>
-          </p:nvPr>
-        </p:nvSpPr>
-        <p:spPr>
-          <a:xfrm>
-            <a:off x="415600" y="86563"/>
-            <a:ext cx="11360700" cy="763500"/>
-          </a:xfrm>
-          <a:prstGeom prst="rect">
-            <a:avLst/>
-          </a:prstGeom>
-          <a:noFill/>
-          <a:ln>
-            <a:noFill/>
-          </a:ln>
-        </p:spPr>
-        <p:txBody>
-          <a:bodyPr spcFirstLastPara="1" wrap="square" lIns="121900" tIns="121900" rIns="121900" bIns="121900" anchor="t" anchorCtr="0">
-            <a:noAutofit/>
-          </a:bodyPr>
-          <a:lstStyle/>
-          <a:p>
-            <a:pPr marL="0" lvl="0" indent="0" algn="l" rtl="0">
-              <a:lnSpc>
-                <a:spcPct val="100000"/>
-              </a:lnSpc>
-              <a:spcBef>
-                <a:spcPts val="0"/>
-              </a:spcBef>
-              <a:spcAft>
-                <a:spcPts val="0"/>
-              </a:spcAft>
-              <a:buClr>
-                <a:srgbClr val="FFFFFF"/>
-              </a:buClr>
-              <a:buSzPts val="3700"/>
-              <a:buNone/>
-            </a:pPr>
-            <a:r>
-              <a:rPr lang="en-US"/>
-              <a:t>What we’ll cover today</a:t>
-            </a:r>
-            <a:endParaRPr/>
-          </a:p>
-        </p:txBody>
-      </p:sp>
-      <p:sp>
-        <p:nvSpPr>
-          <p:cNvPr id="61" name="Google Shape;61;p24"/>
-          <p:cNvSpPr txBox="1">
-            <a:spLocks noGrp="1"/>
-          </p:cNvSpPr>
-          <p:nvPr>
-            <p:ph type="body" idx="1"/>
-          </p:nvPr>
-        </p:nvSpPr>
-        <p:spPr>
-          <a:xfrm>
-            <a:off x="415600" y="1536633"/>
-            <a:ext cx="11360700" cy="4555200"/>
-          </a:xfrm>
-          <a:prstGeom prst="rect">
-            <a:avLst/>
-          </a:prstGeom>
-          <a:noFill/>
-          <a:ln>
-            <a:noFill/>
-          </a:ln>
-        </p:spPr>
-        <p:txBody>
-          <a:bodyPr spcFirstLastPara="1" wrap="square" lIns="121900" tIns="121900" rIns="121900" bIns="121900" anchor="t" anchorCtr="0">
-            <a:normAutofit/>
-          </a:bodyPr>
-          <a:lstStyle/>
-          <a:p>
-            <a:pPr marL="457200" lvl="0" indent="-381000" algn="l" rtl="0">
-              <a:lnSpc>
-                <a:spcPct val="115000"/>
-              </a:lnSpc>
-              <a:spcBef>
-                <a:spcPts val="0"/>
-              </a:spcBef>
-              <a:spcAft>
-                <a:spcPts val="0"/>
-              </a:spcAft>
-              <a:buClr>
-                <a:srgbClr val="434343"/>
-              </a:buClr>
-              <a:buSzPts val="2400"/>
-              <a:buChar char="●"/>
-            </a:pPr>
-            <a:r>
-              <a:rPr lang="en-US" dirty="0"/>
-              <a:t>Why we want ML models to be interpretable?</a:t>
-            </a:r>
-            <a:endParaRPr dirty="0"/>
-          </a:p>
-          <a:p>
-            <a:pPr marL="457200" lvl="0" indent="-228600" algn="l" rtl="0">
-              <a:lnSpc>
-                <a:spcPct val="115000"/>
-              </a:lnSpc>
-              <a:spcBef>
-                <a:spcPts val="0"/>
-              </a:spcBef>
-              <a:spcAft>
-                <a:spcPts val="0"/>
-              </a:spcAft>
-              <a:buClr>
-                <a:srgbClr val="434343"/>
-              </a:buClr>
-              <a:buSzPts val="2400"/>
-              <a:buNone/>
-            </a:pPr>
-            <a:endParaRPr dirty="0"/>
-          </a:p>
-          <a:p>
-            <a:pPr marL="457200" lvl="0" indent="-381000" algn="l" rtl="0">
-              <a:lnSpc>
-                <a:spcPct val="115000"/>
-              </a:lnSpc>
-              <a:spcBef>
-                <a:spcPts val="0"/>
-              </a:spcBef>
-              <a:spcAft>
-                <a:spcPts val="0"/>
-              </a:spcAft>
-              <a:buClr>
-                <a:srgbClr val="434343"/>
-              </a:buClr>
-              <a:buSzPts val="2400"/>
-              <a:buChar char="●"/>
-            </a:pPr>
-            <a:r>
-              <a:rPr lang="en-US" dirty="0"/>
-              <a:t>Types of Interpretability</a:t>
-            </a:r>
-            <a:endParaRPr dirty="0"/>
-          </a:p>
-          <a:p>
-            <a:pPr marL="914400" lvl="1" indent="-349250" algn="l" rtl="0">
-              <a:lnSpc>
-                <a:spcPct val="115000"/>
-              </a:lnSpc>
-              <a:spcBef>
-                <a:spcPts val="2100"/>
-              </a:spcBef>
-              <a:spcAft>
-                <a:spcPts val="0"/>
-              </a:spcAft>
-              <a:buSzPts val="1900"/>
-              <a:buChar char="○"/>
-            </a:pPr>
-            <a:r>
-              <a:rPr lang="en-US" dirty="0"/>
-              <a:t>Global</a:t>
-            </a:r>
-            <a:endParaRPr dirty="0"/>
-          </a:p>
-          <a:p>
-            <a:pPr marL="914400" lvl="1" indent="-349250" algn="l" rtl="0">
-              <a:lnSpc>
-                <a:spcPct val="115000"/>
-              </a:lnSpc>
-              <a:spcBef>
-                <a:spcPts val="2100"/>
-              </a:spcBef>
-              <a:spcAft>
-                <a:spcPts val="0"/>
-              </a:spcAft>
-              <a:buSzPts val="1900"/>
-              <a:buChar char="○"/>
-            </a:pPr>
-            <a:r>
-              <a:rPr lang="en-US" dirty="0"/>
-              <a:t>Individual</a:t>
-            </a:r>
-            <a:endParaRPr dirty="0"/>
-          </a:p>
-        </p:txBody>
-      </p:sp>
-    </p:spTree>
-  </p:cSld>
-  <p:clrMapOvr>
-    <a:masterClrMapping/>
-  </p:clrMapOvr>
-</p:sld>
-</file>
-
 <file path=ppt/slides/slide5.xml><?xml version="1.0" encoding="utf-8"?>
 <p:sld xmlns:a="http://schemas.openxmlformats.org/drawingml/2006/main" xmlns:r="http://schemas.openxmlformats.org/officeDocument/2006/relationships" xmlns:p="http://schemas.openxmlformats.org/presentationml/2006/main">
   <p:cSld>
@@ -13589,6 +14401,220 @@
   <p:cSld>
     <p:spTree>
       <p:nvGrpSpPr>
+        <p:cNvPr id="1" name="Shape 59"/>
+        <p:cNvGrpSpPr/>
+        <p:nvPr/>
+      </p:nvGrpSpPr>
+      <p:grpSpPr>
+        <a:xfrm>
+          <a:off x="0" y="0"/>
+          <a:ext cx="0" cy="0"/>
+          <a:chOff x="0" y="0"/>
+          <a:chExt cx="0" cy="0"/>
+        </a:xfrm>
+      </p:grpSpPr>
+      <p:sp>
+        <p:nvSpPr>
+          <p:cNvPr id="60" name="Google Shape;60;p24"/>
+          <p:cNvSpPr txBox="1">
+            <a:spLocks noGrp="1"/>
+          </p:cNvSpPr>
+          <p:nvPr>
+            <p:ph type="title"/>
+          </p:nvPr>
+        </p:nvSpPr>
+        <p:spPr>
+          <a:xfrm>
+            <a:off x="415600" y="86563"/>
+            <a:ext cx="11360700" cy="763500"/>
+          </a:xfrm>
+          <a:prstGeom prst="rect">
+            <a:avLst/>
+          </a:prstGeom>
+          <a:noFill/>
+          <a:ln>
+            <a:noFill/>
+          </a:ln>
+        </p:spPr>
+        <p:txBody>
+          <a:bodyPr spcFirstLastPara="1" wrap="square" lIns="121900" tIns="121900" rIns="121900" bIns="121900" anchor="t" anchorCtr="0">
+            <a:noAutofit/>
+          </a:bodyPr>
+          <a:lstStyle/>
+          <a:p>
+            <a:pPr marL="0" lvl="0" indent="0" algn="l" rtl="0">
+              <a:lnSpc>
+                <a:spcPct val="100000"/>
+              </a:lnSpc>
+              <a:spcBef>
+                <a:spcPts val="0"/>
+              </a:spcBef>
+              <a:spcAft>
+                <a:spcPts val="0"/>
+              </a:spcAft>
+              <a:buClr>
+                <a:srgbClr val="FFFFFF"/>
+              </a:buClr>
+              <a:buSzPts val="3700"/>
+              <a:buNone/>
+            </a:pPr>
+            <a:r>
+              <a:rPr lang="en-US"/>
+              <a:t>What we’ll cover today</a:t>
+            </a:r>
+            <a:endParaRPr/>
+          </a:p>
+        </p:txBody>
+      </p:sp>
+      <p:sp>
+        <p:nvSpPr>
+          <p:cNvPr id="61" name="Google Shape;61;p24"/>
+          <p:cNvSpPr txBox="1">
+            <a:spLocks noGrp="1"/>
+          </p:cNvSpPr>
+          <p:nvPr>
+            <p:ph type="body" idx="1"/>
+          </p:nvPr>
+        </p:nvSpPr>
+        <p:spPr>
+          <a:xfrm>
+            <a:off x="415600" y="1536633"/>
+            <a:ext cx="11360700" cy="4555200"/>
+          </a:xfrm>
+          <a:prstGeom prst="rect">
+            <a:avLst/>
+          </a:prstGeom>
+          <a:noFill/>
+          <a:ln>
+            <a:noFill/>
+          </a:ln>
+        </p:spPr>
+        <p:txBody>
+          <a:bodyPr spcFirstLastPara="1" wrap="square" lIns="121900" tIns="121900" rIns="121900" bIns="121900" anchor="t" anchorCtr="0">
+            <a:normAutofit/>
+          </a:bodyPr>
+          <a:lstStyle/>
+          <a:p>
+            <a:pPr marL="457200" lvl="0" indent="-381000" algn="l" rtl="0">
+              <a:lnSpc>
+                <a:spcPct val="115000"/>
+              </a:lnSpc>
+              <a:spcBef>
+                <a:spcPts val="0"/>
+              </a:spcBef>
+              <a:spcAft>
+                <a:spcPts val="0"/>
+              </a:spcAft>
+              <a:buClr>
+                <a:srgbClr val="434343"/>
+              </a:buClr>
+              <a:buSzPts val="2400"/>
+              <a:buChar char="●"/>
+            </a:pPr>
+            <a:r>
+              <a:rPr lang="en-US" dirty="0"/>
+              <a:t>Why we want ML models to be interpretable?</a:t>
+            </a:r>
+          </a:p>
+          <a:p>
+            <a:pPr marL="457200" lvl="0" indent="-381000" algn="l" rtl="0">
+              <a:lnSpc>
+                <a:spcPct val="115000"/>
+              </a:lnSpc>
+              <a:spcBef>
+                <a:spcPts val="0"/>
+              </a:spcBef>
+              <a:spcAft>
+                <a:spcPts val="0"/>
+              </a:spcAft>
+              <a:buClr>
+                <a:srgbClr val="434343"/>
+              </a:buClr>
+              <a:buSzPts val="2400"/>
+              <a:buChar char="●"/>
+            </a:pPr>
+            <a:endParaRPr lang="en-US" dirty="0"/>
+          </a:p>
+          <a:p>
+            <a:pPr marL="457200" lvl="0" indent="-381000" algn="l" rtl="0">
+              <a:lnSpc>
+                <a:spcPct val="115000"/>
+              </a:lnSpc>
+              <a:spcBef>
+                <a:spcPts val="0"/>
+              </a:spcBef>
+              <a:spcAft>
+                <a:spcPts val="0"/>
+              </a:spcAft>
+              <a:buClr>
+                <a:srgbClr val="434343"/>
+              </a:buClr>
+              <a:buSzPts val="2400"/>
+              <a:buChar char="●"/>
+            </a:pPr>
+            <a:r>
+              <a:rPr lang="en-US" dirty="0"/>
+              <a:t>Real-world use cases</a:t>
+            </a:r>
+            <a:endParaRPr dirty="0"/>
+          </a:p>
+          <a:p>
+            <a:pPr marL="457200" lvl="0" indent="-228600" algn="l" rtl="0">
+              <a:lnSpc>
+                <a:spcPct val="115000"/>
+              </a:lnSpc>
+              <a:spcBef>
+                <a:spcPts val="0"/>
+              </a:spcBef>
+              <a:spcAft>
+                <a:spcPts val="0"/>
+              </a:spcAft>
+              <a:buClr>
+                <a:srgbClr val="434343"/>
+              </a:buClr>
+              <a:buSzPts val="2400"/>
+              <a:buNone/>
+            </a:pPr>
+            <a:endParaRPr dirty="0"/>
+          </a:p>
+          <a:p>
+            <a:pPr marL="457200" lvl="0" indent="-381000" algn="l" rtl="0">
+              <a:lnSpc>
+                <a:spcPct val="115000"/>
+              </a:lnSpc>
+              <a:spcBef>
+                <a:spcPts val="0"/>
+              </a:spcBef>
+              <a:spcAft>
+                <a:spcPts val="0"/>
+              </a:spcAft>
+              <a:buClr>
+                <a:srgbClr val="434343"/>
+              </a:buClr>
+              <a:buSzPts val="2400"/>
+              <a:buChar char="●"/>
+            </a:pPr>
+            <a:r>
+              <a:rPr lang="en-US" dirty="0"/>
+              <a:t>Types of Interpretability</a:t>
+            </a:r>
+            <a:endParaRPr dirty="0"/>
+          </a:p>
+        </p:txBody>
+      </p:sp>
+    </p:spTree>
+  </p:cSld>
+  <p:clrMapOvr>
+    <a:masterClrMapping/>
+  </p:clrMapOvr>
+</p:sld>
+</file>
+
+<file path=ppt/slides/slide7.xml><?xml version="1.0" encoding="utf-8"?>
+<p:sld xmlns:a="http://schemas.openxmlformats.org/drawingml/2006/main" xmlns:r="http://schemas.openxmlformats.org/officeDocument/2006/relationships" xmlns:p="http://schemas.openxmlformats.org/presentationml/2006/main">
+  <p:cSld>
+    <p:spTree>
+      <p:nvGrpSpPr>
         <p:cNvPr id="1" name="Shape 70"/>
         <p:cNvGrpSpPr/>
         <p:nvPr/>
@@ -13807,7 +14833,7 @@
 </p:sld>
 </file>
 
-<file path=ppt/slides/slide7.xml><?xml version="1.0" encoding="utf-8"?>
+<file path=ppt/slides/slide8.xml><?xml version="1.0" encoding="utf-8"?>
 <p:sld xmlns:a="http://schemas.openxmlformats.org/drawingml/2006/main" xmlns:r="http://schemas.openxmlformats.org/officeDocument/2006/relationships" xmlns:p="http://schemas.openxmlformats.org/presentationml/2006/main">
   <p:cSld>
     <p:spTree>
@@ -13870,10 +14896,10 @@
               <a:buNone/>
             </a:pPr>
             <a:r>
-              <a:rPr lang="en-US"/>
-              <a:t>Global Vs Local</a:t>
+              <a:rPr lang="en-US" dirty="0"/>
+              <a:t>Deeper Dive into Use Cases</a:t>
             </a:r>
-            <a:endParaRPr/>
+            <a:endParaRPr dirty="0"/>
           </a:p>
         </p:txBody>
       </p:sp>
@@ -13881,11 +14907,17 @@
         <p:nvGraphicFramePr>
           <p:cNvPr id="78" name="Google Shape;78;p26"/>
           <p:cNvGraphicFramePr/>
-          <p:nvPr/>
+          <p:nvPr>
+            <p:extLst>
+              <p:ext uri="{D42A27DB-BD31-4B8C-83A1-F6EECF244321}">
+                <p14:modId xmlns:p14="http://schemas.microsoft.com/office/powerpoint/2010/main" val="1465085978"/>
+              </p:ext>
+            </p:extLst>
+          </p:nvPr>
         </p:nvGraphicFramePr>
         <p:xfrm>
           <a:off x="263476" y="1762929"/>
-          <a:ext cx="11664950" cy="3173270"/>
+          <a:ext cx="11664950" cy="3410320"/>
         </p:xfrm>
         <a:graphic>
           <a:graphicData uri="http://schemas.openxmlformats.org/drawingml/2006/table">
@@ -13943,10 +14975,10 @@
                         <a:buNone/>
                       </a:pPr>
                       <a:r>
-                        <a:rPr lang="en-US" sz="2000" u="none" strike="noStrike" cap="none"/>
+                        <a:rPr lang="en-US" sz="2000" u="none" strike="noStrike" cap="none" dirty="0"/>
                         <a:t>Use Case</a:t>
                       </a:r>
-                      <a:endParaRPr/>
+                      <a:endParaRPr dirty="0"/>
                     </a:p>
                   </a:txBody>
                   <a:tcPr marL="121925" marR="121925" marT="60950" marB="60950"/>
@@ -13995,10 +15027,10 @@
                         <a:buNone/>
                       </a:pPr>
                       <a:r>
-                        <a:rPr lang="en-US" sz="2000" u="none" strike="noStrike" cap="none"/>
-                        <a:t>Goal</a:t>
+                        <a:rPr lang="en-US" sz="2000" u="none" strike="noStrike" cap="none" dirty="0"/>
+                        <a:t>Task</a:t>
                       </a:r>
-                      <a:endParaRPr/>
+                      <a:endParaRPr dirty="0"/>
                     </a:p>
                   </a:txBody>
                   <a:tcPr marL="121925" marR="121925" marT="60950" marB="60950"/>
@@ -14021,10 +15053,10 @@
                         <a:buNone/>
                       </a:pPr>
                       <a:r>
-                        <a:rPr lang="en-US" sz="2000" u="none" strike="noStrike" cap="none"/>
-                        <a:t>Global or Local</a:t>
+                        <a:rPr lang="en-US" sz="2000" u="none" strike="noStrike" cap="none" dirty="0"/>
+                        <a:t>What type of method?</a:t>
                       </a:r>
-                      <a:endParaRPr/>
+                      <a:endParaRPr dirty="0"/>
                     </a:p>
                   </a:txBody>
                   <a:tcPr marL="121925" marR="121925" marT="60950" marB="60950"/>
@@ -14114,7 +15146,7 @@
                         </a:spcAft>
                         <a:buNone/>
                       </a:pPr>
-                      <a:endParaRPr/>
+                      <a:endParaRPr dirty="0"/>
                     </a:p>
                   </a:txBody>
                   <a:tcPr marL="121925" marR="121925" marT="60950" marB="60950"/>
@@ -14204,7 +15236,7 @@
                         </a:spcAft>
                         <a:buNone/>
                       </a:pPr>
-                      <a:endParaRPr/>
+                      <a:endParaRPr dirty="0"/>
                     </a:p>
                   </a:txBody>
                   <a:tcPr marL="121925" marR="121925" marT="60950" marB="60950"/>
@@ -14297,7 +15329,7 @@
                         </a:spcAft>
                         <a:buNone/>
                       </a:pPr>
-                      <a:endParaRPr/>
+                      <a:endParaRPr dirty="0"/>
                     </a:p>
                   </a:txBody>
                   <a:tcPr marL="121925" marR="121925" marT="60950" marB="60950"/>
@@ -14480,7 +15512,7 @@
                         </a:spcAft>
                         <a:buNone/>
                       </a:pPr>
-                      <a:endParaRPr/>
+                      <a:endParaRPr dirty="0"/>
                     </a:p>
                   </a:txBody>
                   <a:tcPr marL="121925" marR="121925" marT="60950" marB="60950"/>
@@ -14503,7 +15535,7 @@
 </p:sld>
 </file>
 
-<file path=ppt/slides/slide8.xml><?xml version="1.0" encoding="utf-8"?>
+<file path=ppt/slides/slide9.xml><?xml version="1.0" encoding="utf-8"?>
 <p:sld xmlns:a="http://schemas.openxmlformats.org/drawingml/2006/main" xmlns:r="http://schemas.openxmlformats.org/officeDocument/2006/relationships" xmlns:p="http://schemas.openxmlformats.org/presentationml/2006/main">
   <p:cSld>
     <p:spTree>
@@ -14549,27 +15581,12 @@
           </a:bodyPr>
           <a:lstStyle/>
           <a:p>
-            <a:pPr marL="0" lvl="0" indent="0" algn="l" rtl="0">
-              <a:lnSpc>
-                <a:spcPct val="100000"/>
-              </a:lnSpc>
-              <a:spcBef>
-                <a:spcPts val="0"/>
-              </a:spcBef>
-              <a:spcAft>
-                <a:spcPts val="0"/>
-              </a:spcAft>
-              <a:buClr>
-                <a:srgbClr val="FFFFFF"/>
-              </a:buClr>
-              <a:buSzPts val="3700"/>
-              <a:buNone/>
-            </a:pPr>
+            <a:pPr lvl="0"/>
             <a:r>
-              <a:rPr lang="en-US"/>
-              <a:t>Global Vs Local</a:t>
+              <a:rPr lang="en-US" dirty="0"/>
+              <a:t>Deeper Dive into Use Cases</a:t>
             </a:r>
-            <a:endParaRPr/>
+            <a:endParaRPr dirty="0"/>
           </a:p>
         </p:txBody>
       </p:sp>
@@ -14577,11 +15594,17 @@
         <p:nvGraphicFramePr>
           <p:cNvPr id="84" name="Google Shape;84;g71c82016f7_0_5"/>
           <p:cNvGraphicFramePr/>
-          <p:nvPr/>
+          <p:nvPr>
+            <p:extLst>
+              <p:ext uri="{D42A27DB-BD31-4B8C-83A1-F6EECF244321}">
+                <p14:modId xmlns:p14="http://schemas.microsoft.com/office/powerpoint/2010/main" val="218261602"/>
+              </p:ext>
+            </p:extLst>
+          </p:nvPr>
         </p:nvGraphicFramePr>
         <p:xfrm>
           <a:off x="263476" y="1762929"/>
-          <a:ext cx="11664950" cy="3173270"/>
+          <a:ext cx="11664950" cy="3875970"/>
         </p:xfrm>
         <a:graphic>
           <a:graphicData uri="http://schemas.openxmlformats.org/drawingml/2006/table">
@@ -14691,10 +15714,10 @@
                         <a:buNone/>
                       </a:pPr>
                       <a:r>
-                        <a:rPr lang="en-US" sz="2000" u="none" strike="noStrike" cap="none"/>
-                        <a:t>Goal</a:t>
+                        <a:rPr lang="en-US" sz="2000" u="none" strike="noStrike" cap="none" dirty="0"/>
+                        <a:t>Task</a:t>
                       </a:r>
-                      <a:endParaRPr/>
+                      <a:endParaRPr dirty="0"/>
                     </a:p>
                   </a:txBody>
                   <a:tcPr marL="121925" marR="121925" marT="60950" marB="60950"/>
@@ -14802,10 +15825,10 @@
                         <a:buNone/>
                       </a:pPr>
                       <a:r>
-                        <a:rPr lang="en-US" sz="1900" u="none" strike="noStrike" cap="none"/>
-                        <a:t>Sanity check</a:t>
+                        <a:rPr lang="en-US" sz="1900" u="none" strike="noStrike" cap="none" dirty="0"/>
+                        <a:t>Sanity check and improve “correctness”</a:t>
                       </a:r>
-                      <a:endParaRPr/>
+                      <a:endParaRPr dirty="0"/>
                     </a:p>
                   </a:txBody>
                   <a:tcPr marL="121925" marR="121925" marT="60950" marB="60950"/>
@@ -14887,10 +15910,10 @@
                         <a:buNone/>
                       </a:pPr>
                       <a:r>
-                        <a:rPr lang="en-US" sz="1900" u="none" strike="noStrike" cap="none"/>
+                        <a:rPr lang="en-US" sz="1900" u="none" strike="noStrike" cap="none" dirty="0"/>
                         <a:t>Action-</a:t>
                       </a:r>
-                      <a:endParaRPr/>
+                      <a:endParaRPr dirty="0"/>
                     </a:p>
                     <a:p>
                       <a:pPr marL="0" marR="0" lvl="0" indent="0" algn="l" rtl="0">
@@ -14906,10 +15929,10 @@
                         <a:buNone/>
                       </a:pPr>
                       <a:r>
-                        <a:rPr lang="en-US" sz="1900" u="none" strike="noStrike" cap="none"/>
+                        <a:rPr lang="en-US" sz="1900" u="none" strike="noStrike" cap="none" dirty="0"/>
                         <a:t>taker</a:t>
                       </a:r>
-                      <a:endParaRPr/>
+                      <a:endParaRPr dirty="0"/>
                     </a:p>
                   </a:txBody>
                   <a:tcPr marL="121925" marR="121925" marT="60950" marB="60950"/>
@@ -15017,10 +16040,10 @@
                         <a:buNone/>
                       </a:pPr>
                       <a:r>
-                        <a:rPr lang="en-US" sz="1900" u="none" strike="noStrike" cap="none"/>
+                        <a:rPr lang="en-US" sz="1900" u="none" strike="noStrike" cap="none" dirty="0"/>
                         <a:t>Policymaker/Action-Taker</a:t>
                       </a:r>
-                      <a:endParaRPr/>
+                      <a:endParaRPr dirty="0"/>
                     </a:p>
                   </a:txBody>
                   <a:tcPr marL="121925" marR="121925" marT="60950" marB="60950"/>
@@ -15128,10 +16151,10 @@
                         <a:buNone/>
                       </a:pPr>
                       <a:r>
-                        <a:rPr lang="en-US" sz="1900" u="none" strike="noStrike" cap="none"/>
+                        <a:rPr lang="en-US" sz="1900" u="none" strike="noStrike" cap="none" dirty="0"/>
                         <a:t>Action-Taker</a:t>
                       </a:r>
-                      <a:endParaRPr/>
+                      <a:endParaRPr dirty="0"/>
                     </a:p>
                   </a:txBody>
                   <a:tcPr marL="121925" marR="121925" marT="60950" marB="60950"/>
@@ -15239,10 +16262,10 @@
                         <a:buNone/>
                       </a:pPr>
                       <a:r>
-                        <a:rPr lang="en-US" sz="1900" u="none" strike="noStrike" cap="none"/>
-                        <a:t>Individual affected</a:t>
+                        <a:rPr lang="en-US" sz="1900" u="none" strike="noStrike" cap="none" dirty="0"/>
+                        <a:t>Individual(s) affected</a:t>
                       </a:r>
-                      <a:endParaRPr/>
+                      <a:endParaRPr dirty="0"/>
                     </a:p>
                   </a:txBody>
                   <a:tcPr marL="121925" marR="121925" marT="60950" marB="60950"/>
@@ -15265,10 +16288,10 @@
                         <a:buNone/>
                       </a:pPr>
                       <a:r>
-                        <a:rPr lang="en-US" sz="1900" u="none" strike="noStrike" cap="none"/>
-                        <a:t>Recourse</a:t>
+                        <a:rPr lang="en-US" sz="1900" u="none" strike="noStrike" cap="none" dirty="0"/>
+                        <a:t>Provide information that the individual can understand and ideally change</a:t>
                       </a:r>
-                      <a:endParaRPr/>
+                      <a:endParaRPr dirty="0"/>
                     </a:p>
                   </a:txBody>
                   <a:tcPr marL="121925" marR="121925" marT="60950" marB="60950"/>
@@ -15291,10 +16314,10 @@
                         <a:buNone/>
                       </a:pPr>
                       <a:r>
-                        <a:rPr lang="en-US" sz="1900" u="none" strike="noStrike" cap="none"/>
+                        <a:rPr lang="en-US" sz="1900" u="none" strike="noStrike" cap="none" dirty="0"/>
                         <a:t>Local</a:t>
                       </a:r>
-                      <a:endParaRPr/>
+                      <a:endParaRPr dirty="0"/>
                     </a:p>
                   </a:txBody>
                   <a:tcPr marL="121925" marR="121925" marT="60950" marB="60950"/>
@@ -15309,133 +16332,6 @@
           </a:graphicData>
         </a:graphic>
       </p:graphicFrame>
-    </p:spTree>
-  </p:cSld>
-  <p:clrMapOvr>
-    <a:masterClrMapping/>
-  </p:clrMapOvr>
-</p:sld>
-</file>
-
-<file path=ppt/slides/slide9.xml><?xml version="1.0" encoding="utf-8"?>
-<p:sld xmlns:a="http://schemas.openxmlformats.org/drawingml/2006/main" xmlns:r="http://schemas.openxmlformats.org/officeDocument/2006/relationships" xmlns:p="http://schemas.openxmlformats.org/presentationml/2006/main">
-  <p:cSld>
-    <p:spTree>
-      <p:nvGrpSpPr>
-        <p:cNvPr id="1" name="Shape 88"/>
-        <p:cNvGrpSpPr/>
-        <p:nvPr/>
-      </p:nvGrpSpPr>
-      <p:grpSpPr>
-        <a:xfrm>
-          <a:off x="0" y="0"/>
-          <a:ext cx="0" cy="0"/>
-          <a:chOff x="0" y="0"/>
-          <a:chExt cx="0" cy="0"/>
-        </a:xfrm>
-      </p:grpSpPr>
-      <p:sp>
-        <p:nvSpPr>
-          <p:cNvPr id="89" name="Google Shape;89;p27"/>
-          <p:cNvSpPr txBox="1">
-            <a:spLocks noGrp="1"/>
-          </p:cNvSpPr>
-          <p:nvPr>
-            <p:ph type="title"/>
-          </p:nvPr>
-        </p:nvSpPr>
-        <p:spPr>
-          <a:xfrm>
-            <a:off x="415600" y="86563"/>
-            <a:ext cx="11360700" cy="763500"/>
-          </a:xfrm>
-          <a:prstGeom prst="rect">
-            <a:avLst/>
-          </a:prstGeom>
-          <a:noFill/>
-          <a:ln>
-            <a:noFill/>
-          </a:ln>
-        </p:spPr>
-        <p:txBody>
-          <a:bodyPr spcFirstLastPara="1" wrap="square" lIns="121900" tIns="121900" rIns="121900" bIns="121900" anchor="t" anchorCtr="0">
-            <a:normAutofit fontScale="90000"/>
-          </a:bodyPr>
-          <a:lstStyle/>
-          <a:p>
-            <a:pPr marL="0" lvl="0" indent="0" algn="l" rtl="0">
-              <a:lnSpc>
-                <a:spcPct val="100000"/>
-              </a:lnSpc>
-              <a:spcBef>
-                <a:spcPts val="0"/>
-              </a:spcBef>
-              <a:spcAft>
-                <a:spcPts val="0"/>
-              </a:spcAft>
-              <a:buClr>
-                <a:srgbClr val="FFFFFF"/>
-              </a:buClr>
-              <a:buSzPts val="3700"/>
-              <a:buNone/>
-            </a:pPr>
-            <a:r>
-              <a:rPr lang="en-US" sz="4320" dirty="0"/>
-              <a:t>What do we want from a global explanation?</a:t>
-            </a:r>
-            <a:endParaRPr dirty="0"/>
-          </a:p>
-        </p:txBody>
-      </p:sp>
-      <p:sp>
-        <p:nvSpPr>
-          <p:cNvPr id="90" name="Google Shape;90;p27"/>
-          <p:cNvSpPr txBox="1">
-            <a:spLocks noGrp="1"/>
-          </p:cNvSpPr>
-          <p:nvPr>
-            <p:ph type="body" idx="1"/>
-          </p:nvPr>
-        </p:nvSpPr>
-        <p:spPr>
-          <a:xfrm>
-            <a:off x="415600" y="1536633"/>
-            <a:ext cx="11360700" cy="4555200"/>
-          </a:xfrm>
-          <a:prstGeom prst="rect">
-            <a:avLst/>
-          </a:prstGeom>
-          <a:noFill/>
-          <a:ln>
-            <a:noFill/>
-          </a:ln>
-        </p:spPr>
-        <p:txBody>
-          <a:bodyPr spcFirstLastPara="1" wrap="square" lIns="121900" tIns="121900" rIns="121900" bIns="121900" anchor="t" anchorCtr="0">
-            <a:noAutofit/>
-          </a:bodyPr>
-          <a:lstStyle/>
-          <a:p>
-            <a:pPr marL="457200" lvl="0" indent="-228600" algn="l" rtl="0">
-              <a:lnSpc>
-                <a:spcPct val="115000"/>
-              </a:lnSpc>
-              <a:spcBef>
-                <a:spcPts val="0"/>
-              </a:spcBef>
-              <a:spcAft>
-                <a:spcPts val="0"/>
-              </a:spcAft>
-              <a:buClr>
-                <a:srgbClr val="434343"/>
-              </a:buClr>
-              <a:buSzPts val="2400"/>
-              <a:buNone/>
-            </a:pPr>
-            <a:endParaRPr/>
-          </a:p>
-        </p:txBody>
-      </p:sp>
     </p:spTree>
   </p:cSld>
   <p:clrMapOvr>

--- a/Lectures/Lecture13-InterpretabilityOverview.pptx
+++ b/Lectures/Lecture13-InterpretabilityOverview.pptx
@@ -5,7 +5,7 @@
     <p:sldMasterId id="2147483648" r:id="rId1"/>
   </p:sldMasterIdLst>
   <p:notesMasterIdLst>
-    <p:notesMasterId r:id="rId15"/>
+    <p:notesMasterId r:id="rId16"/>
   </p:notesMasterIdLst>
   <p:sldIdLst>
     <p:sldId id="256" r:id="rId2"/>
@@ -21,6 +21,7 @@
     <p:sldId id="266" r:id="rId12"/>
     <p:sldId id="500" r:id="rId13"/>
     <p:sldId id="499" r:id="rId14"/>
+    <p:sldId id="510" r:id="rId15"/>
   </p:sldIdLst>
   <p:sldSz cx="12192000" cy="6858000"/>
   <p:notesSz cx="6858000" cy="9144000"/>
@@ -258,7 +259,7 @@
       <p15:sldGuideLst xmlns:p15="http://schemas.microsoft.com/office/powerpoint/2012/main"/>
     </p:ext>
     <p:ext uri="http://customooxmlschemas.google.com/">
-      <go:slidesCustomData xmlns="" xmlns:mc="http://schemas.openxmlformats.org/markup-compatibility/2006" xmlns:mv="urn:schemas-microsoft-com:mac:vml" xmlns:c="http://schemas.openxmlformats.org/drawingml/2006/chart" xmlns:dgm="http://schemas.openxmlformats.org/drawingml/2006/diagram" xmlns:o="urn:schemas-microsoft-com:office:office" xmlns:v="urn:schemas-microsoft-com:vml" xmlns:pvml="urn:schemas-microsoft-com:office:powerpoint" xmlns:com="http://schemas.openxmlformats.org/drawingml/2006/compatibility" xmlns:p14="http://schemas.microsoft.com/office/powerpoint/2010/main" xmlns:p15="http://schemas.microsoft.com/office/powerpoint/2012/main" xmlns:go="http://customooxmlschemas.google.com/" r:id="rId32" roundtripDataSignature="AMtx7mhE+28Dr6x2pr2JNXfuZKhsL7KtRg=="/>
+      <go:slidesCustomData xmlns:go="http://customooxmlschemas.google.com/" xmlns:p15="http://schemas.microsoft.com/office/powerpoint/2012/main" xmlns:p14="http://schemas.microsoft.com/office/powerpoint/2010/main" xmlns:com="http://schemas.openxmlformats.org/drawingml/2006/compatibility" xmlns:pvml="urn:schemas-microsoft-com:office:powerpoint" xmlns:v="urn:schemas-microsoft-com:vml" xmlns:o="urn:schemas-microsoft-com:office:office" xmlns:dgm="http://schemas.openxmlformats.org/drawingml/2006/diagram" xmlns:c="http://schemas.openxmlformats.org/drawingml/2006/chart" xmlns:mv="urn:schemas-microsoft-com:mac:vml" xmlns:mc="http://schemas.openxmlformats.org/markup-compatibility/2006" xmlns="" r:id="rId32" roundtripDataSignature="AMtx7mhE+28Dr6x2pr2JNXfuZKhsL7KtRg=="/>
     </p:ext>
   </p:extLst>
 </p:presentation>
@@ -13904,6 +13905,119 @@
 </p:sld>
 </file>
 
+<file path=ppt/slides/slide14.xml><?xml version="1.0" encoding="utf-8"?>
+<p:sld xmlns:a="http://schemas.openxmlformats.org/drawingml/2006/main" xmlns:r="http://schemas.openxmlformats.org/officeDocument/2006/relationships" xmlns:p="http://schemas.openxmlformats.org/presentationml/2006/main">
+  <p:cSld>
+    <p:spTree>
+      <p:nvGrpSpPr>
+        <p:cNvPr id="1" name=""/>
+        <p:cNvGrpSpPr/>
+        <p:nvPr/>
+      </p:nvGrpSpPr>
+      <p:grpSpPr>
+        <a:xfrm>
+          <a:off x="0" y="0"/>
+          <a:ext cx="0" cy="0"/>
+          <a:chOff x="0" y="0"/>
+          <a:chExt cx="0" cy="0"/>
+        </a:xfrm>
+      </p:grpSpPr>
+      <p:sp>
+        <p:nvSpPr>
+          <p:cNvPr id="3" name="Title 2">
+            <a:extLst>
+              <a:ext uri="{FF2B5EF4-FFF2-40B4-BE49-F238E27FC236}">
+                <a16:creationId xmlns:a16="http://schemas.microsoft.com/office/drawing/2014/main" id="{9323871C-7CA8-1448-8FFC-1AE6E1838941}"/>
+              </a:ext>
+            </a:extLst>
+          </p:cNvPr>
+          <p:cNvSpPr>
+            <a:spLocks noGrp="1"/>
+          </p:cNvSpPr>
+          <p:nvPr>
+            <p:ph type="title"/>
+          </p:nvPr>
+        </p:nvSpPr>
+        <p:spPr/>
+        <p:txBody>
+          <a:bodyPr/>
+          <a:lstStyle/>
+          <a:p>
+            <a:r>
+              <a:rPr lang="en-US" dirty="0"/>
+              <a:t>Reminders</a:t>
+            </a:r>
+          </a:p>
+        </p:txBody>
+      </p:sp>
+      <p:sp>
+        <p:nvSpPr>
+          <p:cNvPr id="5" name="Text Placeholder 4">
+            <a:extLst>
+              <a:ext uri="{FF2B5EF4-FFF2-40B4-BE49-F238E27FC236}">
+                <a16:creationId xmlns:a16="http://schemas.microsoft.com/office/drawing/2014/main" id="{F4E0A5F0-1D89-954D-91FB-596CD9E690F2}"/>
+              </a:ext>
+            </a:extLst>
+          </p:cNvPr>
+          <p:cNvSpPr>
+            <a:spLocks noGrp="1"/>
+          </p:cNvSpPr>
+          <p:nvPr>
+            <p:ph type="body" idx="1"/>
+          </p:nvPr>
+        </p:nvSpPr>
+        <p:spPr/>
+        <p:txBody>
+          <a:bodyPr/>
+          <a:lstStyle/>
+          <a:p>
+            <a:pPr marL="76200" indent="0">
+              <a:buNone/>
+            </a:pPr>
+            <a:endParaRPr lang="en-US" dirty="0"/>
+          </a:p>
+          <a:p>
+            <a:pPr marL="76200" indent="0">
+              <a:buNone/>
+            </a:pPr>
+            <a:endParaRPr lang="en-US" dirty="0"/>
+          </a:p>
+          <a:p>
+            <a:pPr marL="76200" indent="0">
+              <a:buNone/>
+            </a:pPr>
+            <a:r>
+              <a:rPr lang="en-US" b="1" dirty="0"/>
+              <a:t>Coming up next week:</a:t>
+            </a:r>
+          </a:p>
+          <a:p>
+            <a:r>
+              <a:rPr lang="en-US" dirty="0"/>
+              <a:t>Tuesday: Feedback Form</a:t>
+            </a:r>
+          </a:p>
+          <a:p>
+            <a:r>
+              <a:rPr lang="en-US" dirty="0"/>
+              <a:t>Tuesday/Thursday: Module 2 Presentations</a:t>
+            </a:r>
+          </a:p>
+        </p:txBody>
+      </p:sp>
+    </p:spTree>
+    <p:extLst>
+      <p:ext uri="{BB962C8B-B14F-4D97-AF65-F5344CB8AC3E}">
+        <p14:creationId xmlns:p14="http://schemas.microsoft.com/office/powerpoint/2010/main" val="3945524154"/>
+      </p:ext>
+    </p:extLst>
+  </p:cSld>
+  <p:clrMapOvr>
+    <a:masterClrMapping/>
+  </p:clrMapOvr>
+</p:sld>
+</file>
+
 <file path=ppt/slides/slide2.xml><?xml version="1.0" encoding="utf-8"?>
 <p:sld xmlns:a="http://schemas.openxmlformats.org/drawingml/2006/main" xmlns:r="http://schemas.openxmlformats.org/officeDocument/2006/relationships" xmlns:p="http://schemas.openxmlformats.org/presentationml/2006/main">
   <p:cSld>
@@ -13982,7 +14096,7 @@
                   <a:schemeClr val="tx1"/>
                 </a:solidFill>
               </a:rPr>
-              <a:t>“Extended Abstract” (3-4 pages) at end of the module comparing these results</a:t>
+              <a:t>“Extended Abstract” (3-4 pages) at end of the module comparing results from the three methods you applied to the class project</a:t>
             </a:r>
             <a:br>
               <a:rPr lang="en-US" dirty="0">
@@ -14058,7 +14172,7 @@
           <a:p>
             <a:r>
               <a:rPr lang="en-US" dirty="0"/>
-              <a:t>Going Forward: Modules 2 and 3</a:t>
+              <a:t>Reminder: Modules 2 and 3</a:t>
             </a:r>
             <a:endParaRPr lang="en-US" dirty="0">
               <a:solidFill>
@@ -14150,13 +14264,6 @@
             <a:pPr marL="76200" indent="0">
               <a:buNone/>
             </a:pPr>
-            <a:r>
-              <a:rPr lang="en-US" b="1" dirty="0"/>
-              <a:t>This week:</a:t>
-            </a:r>
-            <a:endParaRPr lang="en-US" dirty="0"/>
-          </a:p>
-          <a:p>
             <a:endParaRPr lang="en-US" dirty="0"/>
           </a:p>
           <a:p>
@@ -14172,6 +14279,18 @@
             <a:r>
               <a:rPr lang="en-US" b="1" dirty="0"/>
               <a:t>Coming up next week:</a:t>
+            </a:r>
+          </a:p>
+          <a:p>
+            <a:r>
+              <a:rPr lang="en-US" dirty="0"/>
+              <a:t>Tuesday: Feedback Form</a:t>
+            </a:r>
+          </a:p>
+          <a:p>
+            <a:r>
+              <a:rPr lang="en-US" dirty="0"/>
+              <a:t>Tuesday/Thursday: Module 2 Presentations</a:t>
             </a:r>
           </a:p>
         </p:txBody>

--- a/Lectures/Lecture13-InterpretabilityOverview.pptx
+++ b/Lectures/Lecture13-InterpretabilityOverview.pptx
@@ -21,7 +21,7 @@
     <p:sldId id="266" r:id="rId12"/>
     <p:sldId id="500" r:id="rId13"/>
     <p:sldId id="499" r:id="rId14"/>
-    <p:sldId id="510" r:id="rId15"/>
+    <p:sldId id="511" r:id="rId15"/>
   </p:sldIdLst>
   <p:sldSz cx="12192000" cy="6858000"/>
   <p:notesSz cx="6858000" cy="9144000"/>
@@ -259,7 +259,7 @@
       <p15:sldGuideLst xmlns:p15="http://schemas.microsoft.com/office/powerpoint/2012/main"/>
     </p:ext>
     <p:ext uri="http://customooxmlschemas.google.com/">
-      <go:slidesCustomData xmlns:go="http://customooxmlschemas.google.com/" xmlns:p15="http://schemas.microsoft.com/office/powerpoint/2012/main" xmlns:p14="http://schemas.microsoft.com/office/powerpoint/2010/main" xmlns:com="http://schemas.openxmlformats.org/drawingml/2006/compatibility" xmlns:pvml="urn:schemas-microsoft-com:office:powerpoint" xmlns:v="urn:schemas-microsoft-com:vml" xmlns:o="urn:schemas-microsoft-com:office:office" xmlns:dgm="http://schemas.openxmlformats.org/drawingml/2006/diagram" xmlns:c="http://schemas.openxmlformats.org/drawingml/2006/chart" xmlns:mv="urn:schemas-microsoft-com:mac:vml" xmlns:mc="http://schemas.openxmlformats.org/markup-compatibility/2006" xmlns="" r:id="rId32" roundtripDataSignature="AMtx7mhE+28Dr6x2pr2JNXfuZKhsL7KtRg=="/>
+      <go:slidesCustomData xmlns="" xmlns:mc="http://schemas.openxmlformats.org/markup-compatibility/2006" xmlns:mv="urn:schemas-microsoft-com:mac:vml" xmlns:c="http://schemas.openxmlformats.org/drawingml/2006/chart" xmlns:dgm="http://schemas.openxmlformats.org/drawingml/2006/diagram" xmlns:o="urn:schemas-microsoft-com:office:office" xmlns:v="urn:schemas-microsoft-com:vml" xmlns:pvml="urn:schemas-microsoft-com:office:powerpoint" xmlns:com="http://schemas.openxmlformats.org/drawingml/2006/compatibility" xmlns:p14="http://schemas.microsoft.com/office/powerpoint/2010/main" xmlns:p15="http://schemas.microsoft.com/office/powerpoint/2012/main" xmlns:go="http://customooxmlschemas.google.com/" r:id="rId32" roundtripDataSignature="AMtx7mhE+28Dr6x2pr2JNXfuZKhsL7KtRg=="/>
     </p:ext>
   </p:extLst>
 </p:presentation>
@@ -13974,7 +13974,22 @@
             <a:pPr marL="76200" indent="0">
               <a:buNone/>
             </a:pPr>
-            <a:endParaRPr lang="en-US" dirty="0"/>
+            <a:endParaRPr lang="en-US" b="1" dirty="0"/>
+          </a:p>
+          <a:p>
+            <a:pPr marL="76200" indent="0">
+              <a:buNone/>
+            </a:pPr>
+            <a:r>
+              <a:rPr lang="en-US" b="1" dirty="0"/>
+              <a:t>This week:</a:t>
+            </a:r>
+          </a:p>
+          <a:p>
+            <a:r>
+              <a:rPr lang="en-US" dirty="0"/>
+              <a:t>Thursday: Module 2 Presentations</a:t>
+            </a:r>
           </a:p>
           <a:p>
             <a:pPr marL="76200" indent="0">
@@ -14003,12 +14018,22 @@
               <a:t>Tuesday/Thursday: Module 2 Presentations</a:t>
             </a:r>
           </a:p>
+          <a:p>
+            <a:r>
+              <a:rPr lang="en-US" dirty="0">
+                <a:solidFill>
+                  <a:srgbClr val="C00000"/>
+                </a:solidFill>
+              </a:rPr>
+              <a:t>Friday: Extended Abstract on Interpretability</a:t>
+            </a:r>
+          </a:p>
         </p:txBody>
       </p:sp>
     </p:spTree>
     <p:extLst>
       <p:ext uri="{BB962C8B-B14F-4D97-AF65-F5344CB8AC3E}">
-        <p14:creationId xmlns:p14="http://schemas.microsoft.com/office/powerpoint/2010/main" val="3945524154"/>
+        <p14:creationId xmlns:p14="http://schemas.microsoft.com/office/powerpoint/2010/main" val="174948246"/>
       </p:ext>
     </p:extLst>
   </p:cSld>
@@ -14019,7 +14044,7 @@
 </file>
 
 <file path=ppt/slides/slide2.xml><?xml version="1.0" encoding="utf-8"?>
-<p:sld xmlns:a="http://schemas.openxmlformats.org/drawingml/2006/main" xmlns:r="http://schemas.openxmlformats.org/officeDocument/2006/relationships" xmlns:p="http://schemas.openxmlformats.org/presentationml/2006/main">
+<p:sld xmlns:a="http://schemas.openxmlformats.org/drawingml/2006/main" xmlns:r="http://schemas.openxmlformats.org/officeDocument/2006/relationships" xmlns:p="http://schemas.openxmlformats.org/presentationml/2006/main" show="0">
   <p:cSld>
     <p:spTree>
       <p:nvGrpSpPr>
@@ -14264,7 +14289,22 @@
             <a:pPr marL="76200" indent="0">
               <a:buNone/>
             </a:pPr>
-            <a:endParaRPr lang="en-US" dirty="0"/>
+            <a:endParaRPr lang="en-US" b="1" dirty="0"/>
+          </a:p>
+          <a:p>
+            <a:pPr marL="76200" indent="0">
+              <a:buNone/>
+            </a:pPr>
+            <a:r>
+              <a:rPr lang="en-US" b="1" dirty="0"/>
+              <a:t>This week:</a:t>
+            </a:r>
+          </a:p>
+          <a:p>
+            <a:r>
+              <a:rPr lang="en-US" dirty="0"/>
+              <a:t>Thursday: Module 2 Presentations</a:t>
+            </a:r>
           </a:p>
           <a:p>
             <a:pPr marL="76200" indent="0">
@@ -14291,6 +14331,16 @@
             <a:r>
               <a:rPr lang="en-US" dirty="0"/>
               <a:t>Tuesday/Thursday: Module 2 Presentations</a:t>
+            </a:r>
+          </a:p>
+          <a:p>
+            <a:r>
+              <a:rPr lang="en-US" dirty="0">
+                <a:solidFill>
+                  <a:srgbClr val="C00000"/>
+                </a:solidFill>
+              </a:rPr>
+              <a:t>Friday: Extended Abstract on Interpretability</a:t>
             </a:r>
           </a:p>
         </p:txBody>

--- a/Lectures/Lecture13-InterpretabilityOverview.pptx
+++ b/Lectures/Lecture13-InterpretabilityOverview.pptx
@@ -259,7 +259,7 @@
       <p15:sldGuideLst xmlns:p15="http://schemas.microsoft.com/office/powerpoint/2012/main"/>
     </p:ext>
     <p:ext uri="http://customooxmlschemas.google.com/">
-      <go:slidesCustomData xmlns="" xmlns:mc="http://schemas.openxmlformats.org/markup-compatibility/2006" xmlns:mv="urn:schemas-microsoft-com:mac:vml" xmlns:c="http://schemas.openxmlformats.org/drawingml/2006/chart" xmlns:dgm="http://schemas.openxmlformats.org/drawingml/2006/diagram" xmlns:o="urn:schemas-microsoft-com:office:office" xmlns:v="urn:schemas-microsoft-com:vml" xmlns:pvml="urn:schemas-microsoft-com:office:powerpoint" xmlns:com="http://schemas.openxmlformats.org/drawingml/2006/compatibility" xmlns:p14="http://schemas.microsoft.com/office/powerpoint/2010/main" xmlns:p15="http://schemas.microsoft.com/office/powerpoint/2012/main" xmlns:go="http://customooxmlschemas.google.com/" r:id="rId32" roundtripDataSignature="AMtx7mhE+28Dr6x2pr2JNXfuZKhsL7KtRg=="/>
+      <go:slidesCustomData xmlns:go="http://customooxmlschemas.google.com/" xmlns:p15="http://schemas.microsoft.com/office/powerpoint/2012/main" xmlns:p14="http://schemas.microsoft.com/office/powerpoint/2010/main" xmlns:com="http://schemas.openxmlformats.org/drawingml/2006/compatibility" xmlns:pvml="urn:schemas-microsoft-com:office:powerpoint" xmlns:v="urn:schemas-microsoft-com:vml" xmlns:o="urn:schemas-microsoft-com:office:office" xmlns:dgm="http://schemas.openxmlformats.org/drawingml/2006/diagram" xmlns:c="http://schemas.openxmlformats.org/drawingml/2006/chart" xmlns:mv="urn:schemas-microsoft-com:mac:vml" xmlns:mc="http://schemas.openxmlformats.org/markup-compatibility/2006" xmlns="" r:id="rId32" roundtripDataSignature="AMtx7mhE+28Dr6x2pr2JNXfuZKhsL7KtRg=="/>
     </p:ext>
   </p:extLst>
 </p:presentation>
@@ -12757,7 +12757,7 @@
                 <a:cs typeface="Arial"/>
                 <a:sym typeface="Arial"/>
               </a:rPr>
-              <a:t>Interpretability</a:t>
+              <a:t>ML Interpretability: Overview and Use Cases </a:t>
             </a:r>
             <a:endParaRPr sz="3200" b="0" i="0" u="none" strike="noStrike" cap="none" dirty="0">
               <a:solidFill>

--- a/Lectures/Lecture13-InterpretabilityOverview.pptx
+++ b/Lectures/Lecture13-InterpretabilityOverview.pptx
@@ -19263,81 +19263,6 @@
   <p:clrMapOvr>
     <a:masterClrMapping/>
   </p:clrMapOvr>
-  <p:timing>
-    <p:tnLst>
-      <p:par>
-        <p:cTn id="1" dur="indefinite" restart="never" nodeType="tmRoot">
-          <p:childTnLst>
-            <p:seq concurrent="1" nextAc="seek">
-              <p:cTn id="2" dur="indefinite" nodeType="mainSeq">
-                <p:childTnLst>
-                  <p:par>
-                    <p:cTn id="3" fill="hold">
-                      <p:stCondLst>
-                        <p:cond delay="indefinite"/>
-                      </p:stCondLst>
-                      <p:childTnLst>
-                        <p:par>
-                          <p:cTn id="4" fill="hold">
-                            <p:stCondLst>
-                              <p:cond delay="0"/>
-                            </p:stCondLst>
-                            <p:childTnLst>
-                              <p:par>
-                                <p:cTn id="5" presetID="1" presetClass="entr" presetSubtype="0" fill="hold" nodeType="clickEffect">
-                                  <p:stCondLst>
-                                    <p:cond delay="0"/>
-                                  </p:stCondLst>
-                                  <p:childTnLst>
-                                    <p:set>
-                                      <p:cBhvr>
-                                        <p:cTn id="6" dur="1" fill="hold">
-                                          <p:stCondLst>
-                                            <p:cond delay="0"/>
-                                          </p:stCondLst>
-                                        </p:cTn>
-                                        <p:tgtEl>
-                                          <p:spTgt spid="4"/>
-                                        </p:tgtEl>
-                                        <p:attrNameLst>
-                                          <p:attrName>style.visibility</p:attrName>
-                                        </p:attrNameLst>
-                                      </p:cBhvr>
-                                      <p:to>
-                                        <p:strVal val="visible"/>
-                                      </p:to>
-                                    </p:set>
-                                  </p:childTnLst>
-                                </p:cTn>
-                              </p:par>
-                            </p:childTnLst>
-                          </p:cTn>
-                        </p:par>
-                      </p:childTnLst>
-                    </p:cTn>
-                  </p:par>
-                </p:childTnLst>
-              </p:cTn>
-              <p:prevCondLst>
-                <p:cond evt="onPrev" delay="0">
-                  <p:tgtEl>
-                    <p:sldTgt/>
-                  </p:tgtEl>
-                </p:cond>
-              </p:prevCondLst>
-              <p:nextCondLst>
-                <p:cond evt="onNext" delay="0">
-                  <p:tgtEl>
-                    <p:sldTgt/>
-                  </p:tgtEl>
-                </p:cond>
-              </p:nextCondLst>
-            </p:seq>
-          </p:childTnLst>
-        </p:cTn>
-      </p:par>
-    </p:tnLst>
-  </p:timing>
 </p:sld>
 </file>
 

--- a/Lectures/Lecture13-InterpretabilityOverview.pptx
+++ b/Lectures/Lecture13-InterpretabilityOverview.pptx
@@ -14682,7 +14682,7 @@
               <a:buNone/>
             </a:pPr>
             <a:r>
-              <a:rPr lang="en-US" sz="2800" b="0" i="0" u="none" strike="noStrike" cap="none">
+              <a:rPr lang="en-US" sz="2800" b="0" i="0" u="none" strike="noStrike" cap="none" dirty="0">
                 <a:solidFill>
                   <a:srgbClr val="595959"/>
                 </a:solidFill>
@@ -14691,9 +14691,9 @@
                 <a:cs typeface="Arial"/>
                 <a:sym typeface="Arial"/>
               </a:rPr>
-              <a:t>Rayid Ghani and Kit Rodolfa</a:t>
+              <a:t>Rayid Ghani</a:t>
             </a:r>
-            <a:endParaRPr sz="2800" b="0" i="0" u="none" strike="noStrike" cap="none">
+            <a:endParaRPr sz="2800" b="0" i="0" u="none" strike="noStrike" cap="none" dirty="0">
               <a:solidFill>
                 <a:srgbClr val="595959"/>
               </a:solidFill>
@@ -17795,10 +17795,10 @@
                         <a:buNone/>
                       </a:pPr>
                       <a:r>
-                        <a:rPr lang="en-US" sz="1900" u="none" strike="noStrike" cap="none"/>
+                        <a:rPr lang="en-US" sz="1900" u="none" strike="noStrike" cap="none" dirty="0"/>
                         <a:t>ML Developer</a:t>
                       </a:r>
-                      <a:endParaRPr/>
+                      <a:endParaRPr dirty="0"/>
                     </a:p>
                   </a:txBody>
                   <a:tcPr marL="121925" marR="121925" marT="60950" marB="60950"/>
@@ -18121,10 +18121,10 @@
                         <a:buNone/>
                       </a:pPr>
                       <a:r>
-                        <a:rPr lang="en-US" sz="1900" u="none" strike="noStrike" cap="none"/>
+                        <a:rPr lang="en-US" sz="1900" u="none" strike="noStrike" cap="none" dirty="0"/>
                         <a:t>Interventions</a:t>
                       </a:r>
-                      <a:endParaRPr/>
+                      <a:endParaRPr dirty="0"/>
                     </a:p>
                   </a:txBody>
                   <a:tcPr marL="121925" marR="121925" marT="60950" marB="60950"/>
@@ -18173,10 +18173,10 @@
                         <a:buNone/>
                       </a:pPr>
                       <a:r>
-                        <a:rPr lang="en-US" sz="1900"/>
+                        <a:rPr lang="en-US" sz="1900" dirty="0"/>
                         <a:t>Improve outcomes</a:t>
                       </a:r>
-                      <a:endParaRPr sz="1900" u="none" strike="noStrike" cap="none"/>
+                      <a:endParaRPr sz="1900" u="none" strike="noStrike" cap="none" dirty="0"/>
                     </a:p>
                   </a:txBody>
                   <a:tcPr marL="121925" marR="121925" marT="60950" marB="60950"/>
@@ -18232,10 +18232,10 @@
                         <a:buNone/>
                       </a:pPr>
                       <a:r>
-                        <a:rPr lang="en-US" sz="1900" u="none" strike="noStrike" cap="none"/>
+                        <a:rPr lang="en-US" sz="1900" u="none" strike="noStrike" cap="none" dirty="0"/>
                         <a:t>Recourse</a:t>
                       </a:r>
-                      <a:endParaRPr/>
+                      <a:endParaRPr dirty="0"/>
                     </a:p>
                   </a:txBody>
                   <a:tcPr marL="121925" marR="121925" marT="60950" marB="60950"/>
@@ -18581,52 +18581,6 @@
             <a:r>
               <a:rPr lang="en-US" dirty="0"/>
               <a:t>Decision Trees</a:t>
-            </a:r>
-            <a:endParaRPr dirty="0"/>
-          </a:p>
-          <a:p>
-            <a:pPr marL="457200" lvl="0" indent="-381000" algn="l" rtl="0">
-              <a:lnSpc>
-                <a:spcPct val="115000"/>
-              </a:lnSpc>
-              <a:spcBef>
-                <a:spcPts val="0"/>
-              </a:spcBef>
-              <a:spcAft>
-                <a:spcPts val="0"/>
-              </a:spcAft>
-              <a:buClr>
-                <a:srgbClr val="434343"/>
-              </a:buClr>
-              <a:buSzPts val="2400"/>
-              <a:buChar char="●"/>
-            </a:pPr>
-            <a:r>
-              <a:rPr lang="en-US" dirty="0"/>
-              <a:t>KNN</a:t>
-            </a:r>
-            <a:endParaRPr dirty="0"/>
-          </a:p>
-          <a:p>
-            <a:pPr marL="457200" lvl="0" indent="-381000" algn="l" rtl="0">
-              <a:lnSpc>
-                <a:spcPct val="115000"/>
-              </a:lnSpc>
-              <a:spcBef>
-                <a:spcPts val="0"/>
-              </a:spcBef>
-              <a:spcAft>
-                <a:spcPts val="0"/>
-              </a:spcAft>
-              <a:buClr>
-                <a:srgbClr val="434343"/>
-              </a:buClr>
-              <a:buSzPts val="2400"/>
-              <a:buChar char="●"/>
-            </a:pPr>
-            <a:r>
-              <a:rPr lang="en-US" dirty="0"/>
-              <a:t>SVMs</a:t>
             </a:r>
             <a:endParaRPr dirty="0"/>
           </a:p>
@@ -26210,27 +26164,6 @@
             <a:pPr marL="76200" indent="0">
               <a:buNone/>
             </a:pPr>
-            <a:r>
-              <a:rPr lang="en-US" b="1" dirty="0"/>
-              <a:t>Next week:</a:t>
-            </a:r>
-          </a:p>
-          <a:p>
-            <a:r>
-              <a:rPr lang="en-US" dirty="0"/>
-              <a:t>Tuesday: Understanding your models</a:t>
-            </a:r>
-          </a:p>
-          <a:p>
-            <a:r>
-              <a:rPr lang="en-US" dirty="0"/>
-              <a:t>Thursday: Module 2 Presentations</a:t>
-            </a:r>
-          </a:p>
-          <a:p>
-            <a:pPr marL="76200" indent="0">
-              <a:buNone/>
-            </a:pPr>
             <a:endParaRPr lang="en-US" dirty="0"/>
           </a:p>
           <a:p>
@@ -26239,7 +26172,7 @@
             </a:pPr>
             <a:r>
               <a:rPr lang="en-US" b="1" dirty="0"/>
-              <a:t>Coming up the following week:</a:t>
+              <a:t>Coming up :</a:t>
             </a:r>
           </a:p>
           <a:p>
@@ -26259,7 +26192,7 @@
           <a:p>
             <a:r>
               <a:rPr lang="en-US" dirty="0"/>
-              <a:t>Tuesday/Thursday: Module 2 Presentations</a:t>
+              <a:t>Thursday, Tuesday, Thursday: Module 2 Presentations</a:t>
             </a:r>
           </a:p>
           <a:p>
@@ -26269,7 +26202,7 @@
                   <a:srgbClr val="C00000"/>
                 </a:solidFill>
               </a:rPr>
-              <a:t>Friday: Extended Abstract on Interpretability</a:t>
+              <a:t>Friday Nov 10: Extended Abstract on Interpretability</a:t>
             </a:r>
           </a:p>
         </p:txBody>
